--- a/GitPresent.pptx
+++ b/GitPresent.pptx
@@ -26,6 +26,8 @@
     <p:sldId id="274" r:id="rId20"/>
     <p:sldId id="275" r:id="rId21"/>
     <p:sldId id="276" r:id="rId22"/>
+    <p:sldId id="277" r:id="rId23"/>
+    <p:sldId id="278" r:id="rId24"/>
   </p:sldIdLst>
   <p:sldSz cx="12192000" cy="6858000"/>
   <p:notesSz cx="6858000" cy="9144000"/>
@@ -12962,10 +12964,1019 @@
           </a:p>
         </p:txBody>
       </p:sp>
+      <p:pic>
+        <p:nvPicPr>
+          <p:cNvPr id="5" name="Picture 4">
+            <a:extLst>
+              <a:ext uri="{FF2B5EF4-FFF2-40B4-BE49-F238E27FC236}">
+                <a16:creationId xmlns:a16="http://schemas.microsoft.com/office/drawing/2014/main" id="{CC76381C-A911-70C2-E299-470E1562D21C}"/>
+              </a:ext>
+            </a:extLst>
+          </p:cNvPr>
+          <p:cNvPicPr>
+            <a:picLocks noChangeAspect="1"/>
+          </p:cNvPicPr>
+          <p:nvPr/>
+        </p:nvPicPr>
+        <p:blipFill>
+          <a:blip r:embed="rId2"/>
+          <a:stretch>
+            <a:fillRect/>
+          </a:stretch>
+        </p:blipFill>
+        <p:spPr>
+          <a:xfrm>
+            <a:off x="9150510" y="2215342"/>
+            <a:ext cx="2723856" cy="1509635"/>
+          </a:xfrm>
+          <a:prstGeom prst="rect">
+            <a:avLst/>
+          </a:prstGeom>
+        </p:spPr>
+      </p:pic>
+      <p:sp>
+        <p:nvSpPr>
+          <p:cNvPr id="6" name="TextBox 5">
+            <a:extLst>
+              <a:ext uri="{FF2B5EF4-FFF2-40B4-BE49-F238E27FC236}">
+                <a16:creationId xmlns:a16="http://schemas.microsoft.com/office/drawing/2014/main" id="{1F0DFBE7-6CC7-7B6B-6F20-D914BA3CC95F}"/>
+              </a:ext>
+            </a:extLst>
+          </p:cNvPr>
+          <p:cNvSpPr txBox="1"/>
+          <p:nvPr/>
+        </p:nvSpPr>
+        <p:spPr>
+          <a:xfrm>
+            <a:off x="462012" y="2186466"/>
+            <a:ext cx="7873466" cy="2308324"/>
+          </a:xfrm>
+          <a:prstGeom prst="rect">
+            <a:avLst/>
+          </a:prstGeom>
+          <a:noFill/>
+        </p:spPr>
+        <p:txBody>
+          <a:bodyPr wrap="square" rtlCol="0">
+            <a:spAutoFit/>
+          </a:bodyPr>
+          <a:lstStyle/>
+          <a:p>
+            <a:pPr marL="285750" indent="-285750">
+              <a:buFont typeface="Arial" panose="020B0604020202020204" pitchFamily="34" charset="0"/>
+              <a:buChar char="•"/>
+            </a:pPr>
+            <a:r>
+              <a:rPr lang="en-IN" dirty="0"/>
+              <a:t>Create a Repositories in GitHub</a:t>
+            </a:r>
+          </a:p>
+          <a:p>
+            <a:pPr marL="285750" indent="-285750">
+              <a:buFont typeface="Arial" panose="020B0604020202020204" pitchFamily="34" charset="0"/>
+              <a:buChar char="•"/>
+            </a:pPr>
+            <a:r>
+              <a:rPr lang="en-IN" dirty="0"/>
+              <a:t>Add your GitHub repo’s Origin to your Local Project</a:t>
+            </a:r>
+          </a:p>
+          <a:p>
+            <a:pPr marL="742950" lvl="1" indent="-285750">
+              <a:buFont typeface="Arial" panose="020B0604020202020204" pitchFamily="34" charset="0"/>
+              <a:buChar char="•"/>
+            </a:pPr>
+            <a:r>
+              <a:rPr kumimoji="0" lang="en-US" altLang="en-US" b="0" i="0" u="none" strike="noStrike" cap="none" normalizeH="0" baseline="0" dirty="0">
+                <a:ln>
+                  <a:noFill/>
+                </a:ln>
+                <a:solidFill>
+                  <a:schemeClr val="bg1"/>
+                </a:solidFill>
+                <a:effectLst/>
+                <a:latin typeface="ui-monospace"/>
+              </a:rPr>
+              <a:t>git remote add origin https://github.com/pranoy1171999study/TestRepo.git</a:t>
+            </a:r>
+            <a:r>
+              <a:rPr kumimoji="0" lang="en-US" altLang="en-US" sz="1400" b="0" i="0" u="none" strike="noStrike" cap="none" normalizeH="0" baseline="0" dirty="0">
+                <a:ln>
+                  <a:noFill/>
+                </a:ln>
+                <a:solidFill>
+                  <a:schemeClr val="bg1"/>
+                </a:solidFill>
+                <a:effectLst/>
+              </a:rPr>
+              <a:t> </a:t>
+            </a:r>
+            <a:endParaRPr kumimoji="0" lang="en-US" altLang="en-US" sz="4000" b="0" i="0" u="none" strike="noStrike" cap="none" normalizeH="0" baseline="0" dirty="0">
+              <a:ln>
+                <a:noFill/>
+              </a:ln>
+              <a:solidFill>
+                <a:schemeClr val="bg1"/>
+              </a:solidFill>
+              <a:effectLst/>
+              <a:latin typeface="Arial" panose="020B0604020202020204" pitchFamily="34" charset="0"/>
+            </a:endParaRPr>
+          </a:p>
+          <a:p>
+            <a:pPr marL="285750" indent="-285750">
+              <a:buFont typeface="Arial" panose="020B0604020202020204" pitchFamily="34" charset="0"/>
+              <a:buChar char="•"/>
+            </a:pPr>
+            <a:endParaRPr lang="en-IN" dirty="0"/>
+          </a:p>
+          <a:p>
+            <a:pPr marL="285750" indent="-285750">
+              <a:buFont typeface="Arial" panose="020B0604020202020204" pitchFamily="34" charset="0"/>
+              <a:buChar char="•"/>
+            </a:pPr>
+            <a:r>
+              <a:rPr lang="en-IN" dirty="0"/>
+              <a:t>To check Remote Name : </a:t>
+            </a:r>
+            <a:r>
+              <a:rPr lang="en-IN" dirty="0">
+                <a:solidFill>
+                  <a:schemeClr val="bg1"/>
+                </a:solidFill>
+              </a:rPr>
+              <a:t>git remote</a:t>
+            </a:r>
+          </a:p>
+          <a:p>
+            <a:pPr marL="285750" indent="-285750">
+              <a:buFont typeface="Arial" panose="020B0604020202020204" pitchFamily="34" charset="0"/>
+              <a:buChar char="•"/>
+            </a:pPr>
+            <a:r>
+              <a:rPr lang="en-IN" dirty="0"/>
+              <a:t>To see fetch &amp; push </a:t>
+            </a:r>
+            <a:r>
+              <a:rPr lang="en-IN" dirty="0" err="1"/>
+              <a:t>url</a:t>
+            </a:r>
+            <a:r>
+              <a:rPr lang="en-IN" dirty="0"/>
+              <a:t> : </a:t>
+            </a:r>
+            <a:r>
+              <a:rPr lang="en-IN" dirty="0">
+                <a:solidFill>
+                  <a:schemeClr val="bg1"/>
+                </a:solidFill>
+              </a:rPr>
+              <a:t>git remote –v</a:t>
+            </a:r>
+          </a:p>
+          <a:p>
+            <a:pPr marL="285750" indent="-285750">
+              <a:buFont typeface="Arial" panose="020B0604020202020204" pitchFamily="34" charset="0"/>
+              <a:buChar char="•"/>
+            </a:pPr>
+            <a:r>
+              <a:rPr lang="en-IN" dirty="0"/>
+              <a:t>Now Select the Branch : </a:t>
+            </a:r>
+            <a:r>
+              <a:rPr kumimoji="0" lang="en-US" altLang="en-US" sz="1800" b="0" i="0" u="none" strike="noStrike" cap="none" normalizeH="0" baseline="0" dirty="0">
+                <a:ln>
+                  <a:noFill/>
+                </a:ln>
+                <a:solidFill>
+                  <a:schemeClr val="bg1"/>
+                </a:solidFill>
+                <a:effectLst/>
+                <a:latin typeface="ui-monospace"/>
+              </a:rPr>
+              <a:t>git branch -M main</a:t>
+            </a:r>
+            <a:r>
+              <a:rPr kumimoji="0" lang="en-US" altLang="en-US" sz="1400" b="0" i="0" u="none" strike="noStrike" cap="none" normalizeH="0" baseline="0" dirty="0">
+                <a:ln>
+                  <a:noFill/>
+                </a:ln>
+                <a:solidFill>
+                  <a:schemeClr val="bg1"/>
+                </a:solidFill>
+                <a:effectLst/>
+              </a:rPr>
+              <a:t> </a:t>
+            </a:r>
+            <a:endParaRPr kumimoji="0" lang="en-US" altLang="en-US" sz="4000" b="0" i="0" u="none" strike="noStrike" cap="none" normalizeH="0" baseline="0" dirty="0">
+              <a:ln>
+                <a:noFill/>
+              </a:ln>
+              <a:solidFill>
+                <a:schemeClr val="bg1"/>
+              </a:solidFill>
+              <a:effectLst/>
+              <a:latin typeface="Arial" panose="020B0604020202020204" pitchFamily="34" charset="0"/>
+            </a:endParaRPr>
+          </a:p>
+        </p:txBody>
+      </p:sp>
+      <p:pic>
+        <p:nvPicPr>
+          <p:cNvPr id="11" name="Picture 10">
+            <a:extLst>
+              <a:ext uri="{FF2B5EF4-FFF2-40B4-BE49-F238E27FC236}">
+                <a16:creationId xmlns:a16="http://schemas.microsoft.com/office/drawing/2014/main" id="{1BB5BDFD-6D23-F065-7E13-1F30A7B520F9}"/>
+              </a:ext>
+            </a:extLst>
+          </p:cNvPr>
+          <p:cNvPicPr>
+            <a:picLocks noChangeAspect="1"/>
+          </p:cNvPicPr>
+          <p:nvPr/>
+        </p:nvPicPr>
+        <p:blipFill>
+          <a:blip r:embed="rId3"/>
+          <a:stretch>
+            <a:fillRect/>
+          </a:stretch>
+        </p:blipFill>
+        <p:spPr>
+          <a:xfrm>
+            <a:off x="7453006" y="4523666"/>
+            <a:ext cx="4738994" cy="2334334"/>
+          </a:xfrm>
+          <a:prstGeom prst="rect">
+            <a:avLst/>
+          </a:prstGeom>
+        </p:spPr>
+      </p:pic>
+      <p:sp>
+        <p:nvSpPr>
+          <p:cNvPr id="13" name="TextBox 12">
+            <a:extLst>
+              <a:ext uri="{FF2B5EF4-FFF2-40B4-BE49-F238E27FC236}">
+                <a16:creationId xmlns:a16="http://schemas.microsoft.com/office/drawing/2014/main" id="{5307CBA1-B2DD-B2BD-F04A-463C8A627597}"/>
+              </a:ext>
+            </a:extLst>
+          </p:cNvPr>
+          <p:cNvSpPr txBox="1"/>
+          <p:nvPr/>
+        </p:nvSpPr>
+        <p:spPr>
+          <a:xfrm>
+            <a:off x="381936" y="4995512"/>
+            <a:ext cx="7250897" cy="1200329"/>
+          </a:xfrm>
+          <a:prstGeom prst="rect">
+            <a:avLst/>
+          </a:prstGeom>
+          <a:noFill/>
+        </p:spPr>
+        <p:txBody>
+          <a:bodyPr wrap="square" rtlCol="0">
+            <a:spAutoFit/>
+          </a:bodyPr>
+          <a:lstStyle/>
+          <a:p>
+            <a:r>
+              <a:rPr lang="en-IN" dirty="0"/>
+              <a:t>Now Can we Push  our local directly to the GitHub repo?🤔</a:t>
+            </a:r>
+          </a:p>
+          <a:p>
+            <a:r>
+              <a:rPr lang="en-IN" dirty="0">
+                <a:solidFill>
+                  <a:srgbClr val="FFFF00"/>
+                </a:solidFill>
+              </a:rPr>
+              <a:t>Answer is No 😢.We have to give the access of GitHub Repo to your local </a:t>
+            </a:r>
+            <a:r>
+              <a:rPr lang="en-IN" dirty="0" err="1">
+                <a:solidFill>
+                  <a:srgbClr val="FFFF00"/>
+                </a:solidFill>
+              </a:rPr>
+              <a:t>Git.Actualy</a:t>
+            </a:r>
+            <a:r>
+              <a:rPr lang="en-IN" dirty="0">
+                <a:solidFill>
+                  <a:srgbClr val="FFFF00"/>
+                </a:solidFill>
+              </a:rPr>
+              <a:t> this is good otherwise someone who know your origin can push anything in your repo</a:t>
+            </a:r>
+            <a:r>
+              <a:rPr lang="en-IN" dirty="0"/>
+              <a:t>😊.</a:t>
+            </a:r>
+          </a:p>
+        </p:txBody>
+      </p:sp>
     </p:spTree>
     <p:extLst>
       <p:ext uri="{BB962C8B-B14F-4D97-AF65-F5344CB8AC3E}">
         <p14:creationId xmlns:p14="http://schemas.microsoft.com/office/powerpoint/2010/main" val="4231471275"/>
+      </p:ext>
+    </p:extLst>
+  </p:cSld>
+  <p:clrMapOvr>
+    <a:masterClrMapping/>
+  </p:clrMapOvr>
+</p:sld>
+</file>
+
+<file path=ppt/slides/slide22.xml><?xml version="1.0" encoding="utf-8"?>
+<p:sld xmlns:a="http://schemas.openxmlformats.org/drawingml/2006/main" xmlns:r="http://schemas.openxmlformats.org/officeDocument/2006/relationships" xmlns:p="http://schemas.openxmlformats.org/presentationml/2006/main">
+  <p:cSld>
+    <p:spTree>
+      <p:nvGrpSpPr>
+        <p:cNvPr id="1" name=""/>
+        <p:cNvGrpSpPr/>
+        <p:nvPr/>
+      </p:nvGrpSpPr>
+      <p:grpSpPr>
+        <a:xfrm>
+          <a:off x="0" y="0"/>
+          <a:ext cx="0" cy="0"/>
+          <a:chOff x="0" y="0"/>
+          <a:chExt cx="0" cy="0"/>
+        </a:xfrm>
+      </p:grpSpPr>
+      <p:sp>
+        <p:nvSpPr>
+          <p:cNvPr id="2" name="TextBox 1">
+            <a:extLst>
+              <a:ext uri="{FF2B5EF4-FFF2-40B4-BE49-F238E27FC236}">
+                <a16:creationId xmlns:a16="http://schemas.microsoft.com/office/drawing/2014/main" id="{2DB65CF1-0898-8429-53F9-9D870ABEA52C}"/>
+              </a:ext>
+            </a:extLst>
+          </p:cNvPr>
+          <p:cNvSpPr txBox="1"/>
+          <p:nvPr/>
+        </p:nvSpPr>
+        <p:spPr>
+          <a:xfrm>
+            <a:off x="760394" y="721895"/>
+            <a:ext cx="10212405" cy="3139321"/>
+          </a:xfrm>
+          <a:prstGeom prst="rect">
+            <a:avLst/>
+          </a:prstGeom>
+          <a:noFill/>
+        </p:spPr>
+        <p:txBody>
+          <a:bodyPr wrap="square" rtlCol="0">
+            <a:spAutoFit/>
+          </a:bodyPr>
+          <a:lstStyle/>
+          <a:p>
+            <a:r>
+              <a:rPr lang="en-IN" dirty="0"/>
+              <a:t>Now What is the Solution Then? How to give Access ?😢</a:t>
+            </a:r>
+          </a:p>
+          <a:p>
+            <a:endParaRPr lang="en-IN" dirty="0"/>
+          </a:p>
+          <a:p>
+            <a:r>
+              <a:rPr lang="en-IN" dirty="0"/>
+              <a:t>For this we have to </a:t>
+            </a:r>
+            <a:r>
+              <a:rPr lang="en-IN" dirty="0" err="1"/>
+              <a:t>goto</a:t>
+            </a:r>
+            <a:r>
+              <a:rPr lang="en-IN" dirty="0"/>
+              <a:t> GitHub and add our local Git’s SSH Key in it</a:t>
+            </a:r>
+          </a:p>
+          <a:p>
+            <a:r>
+              <a:rPr lang="en-IN" dirty="0"/>
+              <a:t>Step 1: Generate SSH key in Git Bash</a:t>
+            </a:r>
+          </a:p>
+          <a:p>
+            <a:r>
+              <a:rPr lang="en-IN" dirty="0"/>
+              <a:t>-&gt;</a:t>
+            </a:r>
+            <a:r>
+              <a:rPr kumimoji="0" lang="en-US" altLang="en-US" b="0" i="0" u="none" strike="noStrike" cap="none" normalizeH="0" baseline="0" dirty="0" err="1">
+                <a:ln>
+                  <a:noFill/>
+                </a:ln>
+                <a:solidFill>
+                  <a:schemeClr val="bg1"/>
+                </a:solidFill>
+                <a:effectLst/>
+                <a:latin typeface="ui-monospace"/>
+              </a:rPr>
+              <a:t>ssh</a:t>
+            </a:r>
+            <a:r>
+              <a:rPr kumimoji="0" lang="en-US" altLang="en-US" b="0" i="0" u="none" strike="noStrike" cap="none" normalizeH="0" baseline="0" dirty="0">
+                <a:ln>
+                  <a:noFill/>
+                </a:ln>
+                <a:solidFill>
+                  <a:schemeClr val="bg1"/>
+                </a:solidFill>
+                <a:effectLst/>
+                <a:latin typeface="ui-monospace"/>
+              </a:rPr>
+              <a:t>-keygen -t ed25519 -C "your_email@example.com"</a:t>
+            </a:r>
+            <a:r>
+              <a:rPr kumimoji="0" lang="en-US" altLang="en-US" b="0" i="0" u="none" strike="noStrike" cap="none" normalizeH="0" baseline="0" dirty="0">
+                <a:ln>
+                  <a:noFill/>
+                </a:ln>
+                <a:solidFill>
+                  <a:schemeClr val="bg1"/>
+                </a:solidFill>
+                <a:effectLst/>
+              </a:rPr>
+              <a:t>  </a:t>
+            </a:r>
+            <a:r>
+              <a:rPr kumimoji="0" lang="en-US" altLang="en-US" b="0" i="0" u="none" strike="noStrike" cap="none" normalizeH="0" baseline="0" dirty="0">
+                <a:ln>
+                  <a:noFill/>
+                </a:ln>
+                <a:solidFill>
+                  <a:schemeClr val="tx1"/>
+                </a:solidFill>
+                <a:effectLst/>
+              </a:rPr>
+              <a:t>(Generate SSH Key)</a:t>
+            </a:r>
+          </a:p>
+          <a:p>
+            <a:pPr marL="0" marR="0" lvl="0" indent="0" algn="l" defTabSz="914400" rtl="0" eaLnBrk="0" fontAlgn="base" latinLnBrk="0" hangingPunct="0">
+              <a:lnSpc>
+                <a:spcPct val="100000"/>
+              </a:lnSpc>
+              <a:spcBef>
+                <a:spcPct val="0"/>
+              </a:spcBef>
+              <a:spcAft>
+                <a:spcPct val="0"/>
+              </a:spcAft>
+              <a:buClrTx/>
+              <a:buSzTx/>
+              <a:buFontTx/>
+              <a:buNone/>
+              <a:tabLst/>
+            </a:pPr>
+            <a:r>
+              <a:rPr lang="en-IN" dirty="0"/>
+              <a:t>-&gt; </a:t>
+            </a:r>
+            <a:r>
+              <a:rPr kumimoji="0" lang="en-US" altLang="en-US" b="0" i="0" u="none" strike="noStrike" cap="none" normalizeH="0" baseline="0" dirty="0">
+                <a:ln>
+                  <a:noFill/>
+                </a:ln>
+                <a:solidFill>
+                  <a:schemeClr val="bg1"/>
+                </a:solidFill>
+                <a:effectLst/>
+                <a:latin typeface="ui-monospace"/>
+              </a:rPr>
+              <a:t>eval "$(</a:t>
+            </a:r>
+            <a:r>
+              <a:rPr kumimoji="0" lang="en-US" altLang="en-US" b="0" i="0" u="none" strike="noStrike" cap="none" normalizeH="0" baseline="0" dirty="0" err="1">
+                <a:ln>
+                  <a:noFill/>
+                </a:ln>
+                <a:solidFill>
+                  <a:schemeClr val="bg1"/>
+                </a:solidFill>
+                <a:effectLst/>
+                <a:latin typeface="ui-monospace"/>
+              </a:rPr>
+              <a:t>ssh</a:t>
+            </a:r>
+            <a:r>
+              <a:rPr kumimoji="0" lang="en-US" altLang="en-US" b="0" i="0" u="none" strike="noStrike" cap="none" normalizeH="0" baseline="0" dirty="0">
+                <a:ln>
+                  <a:noFill/>
+                </a:ln>
+                <a:solidFill>
+                  <a:schemeClr val="bg1"/>
+                </a:solidFill>
+                <a:effectLst/>
+                <a:latin typeface="ui-monospace"/>
+              </a:rPr>
+              <a:t>-agent -s)"</a:t>
+            </a:r>
+            <a:r>
+              <a:rPr kumimoji="0" lang="en-US" altLang="en-US" b="0" i="0" u="none" strike="noStrike" cap="none" normalizeH="0" baseline="0" dirty="0">
+                <a:ln>
+                  <a:noFill/>
+                </a:ln>
+                <a:solidFill>
+                  <a:schemeClr val="bg1"/>
+                </a:solidFill>
+                <a:effectLst/>
+              </a:rPr>
+              <a:t>  </a:t>
+            </a:r>
+            <a:r>
+              <a:rPr kumimoji="0" lang="en-US" altLang="en-US" b="0" i="0" u="none" strike="noStrike" cap="none" normalizeH="0" baseline="0" dirty="0">
+                <a:ln>
+                  <a:noFill/>
+                </a:ln>
+                <a:solidFill>
+                  <a:schemeClr val="tx1"/>
+                </a:solidFill>
+                <a:effectLst/>
+              </a:rPr>
+              <a:t>(Run SSH agent)</a:t>
+            </a:r>
+          </a:p>
+          <a:p>
+            <a:pPr defTabSz="914400" eaLnBrk="0" fontAlgn="base" hangingPunct="0">
+              <a:spcBef>
+                <a:spcPct val="0"/>
+              </a:spcBef>
+              <a:spcAft>
+                <a:spcPct val="0"/>
+              </a:spcAft>
+            </a:pPr>
+            <a:r>
+              <a:rPr lang="en-IN" dirty="0"/>
+              <a:t>-&gt;</a:t>
+            </a:r>
+            <a:r>
+              <a:rPr kumimoji="0" lang="en-US" altLang="en-US" b="0" i="0" u="none" strike="noStrike" cap="none" normalizeH="0" baseline="0" dirty="0" err="1">
+                <a:ln>
+                  <a:noFill/>
+                </a:ln>
+                <a:solidFill>
+                  <a:schemeClr val="bg1"/>
+                </a:solidFill>
+                <a:effectLst/>
+                <a:latin typeface="ui-monospace"/>
+              </a:rPr>
+              <a:t>ssh</a:t>
+            </a:r>
+            <a:r>
+              <a:rPr kumimoji="0" lang="en-US" altLang="en-US" b="0" i="0" u="none" strike="noStrike" cap="none" normalizeH="0" baseline="0" dirty="0">
+                <a:ln>
+                  <a:noFill/>
+                </a:ln>
+                <a:solidFill>
+                  <a:schemeClr val="bg1"/>
+                </a:solidFill>
+                <a:effectLst/>
+                <a:latin typeface="ui-monospace"/>
+              </a:rPr>
+              <a:t>-add ~/.</a:t>
+            </a:r>
+            <a:r>
+              <a:rPr kumimoji="0" lang="en-US" altLang="en-US" b="0" i="0" u="none" strike="noStrike" cap="none" normalizeH="0" baseline="0" dirty="0" err="1">
+                <a:ln>
+                  <a:noFill/>
+                </a:ln>
+                <a:solidFill>
+                  <a:schemeClr val="bg1"/>
+                </a:solidFill>
+                <a:effectLst/>
+                <a:latin typeface="ui-monospace"/>
+              </a:rPr>
+              <a:t>ssh</a:t>
+            </a:r>
+            <a:r>
+              <a:rPr kumimoji="0" lang="en-US" altLang="en-US" b="0" i="0" u="none" strike="noStrike" cap="none" normalizeH="0" baseline="0" dirty="0">
+                <a:ln>
+                  <a:noFill/>
+                </a:ln>
+                <a:solidFill>
+                  <a:schemeClr val="bg1"/>
+                </a:solidFill>
+                <a:effectLst/>
+                <a:latin typeface="ui-monospace"/>
+              </a:rPr>
+              <a:t>/id_ed25519</a:t>
+            </a:r>
+            <a:r>
+              <a:rPr kumimoji="0" lang="en-US" altLang="en-US" b="0" i="0" u="none" strike="noStrike" cap="none" normalizeH="0" baseline="0" dirty="0">
+                <a:ln>
+                  <a:noFill/>
+                </a:ln>
+                <a:solidFill>
+                  <a:schemeClr val="tx1"/>
+                </a:solidFill>
+                <a:effectLst/>
+              </a:rPr>
+              <a:t> (Add your SSH Private Key to SSH Agent)</a:t>
+            </a:r>
+            <a:endParaRPr lang="en-US" dirty="0"/>
+          </a:p>
+          <a:p>
+            <a:pPr defTabSz="914400" eaLnBrk="0" fontAlgn="base" hangingPunct="0">
+              <a:spcBef>
+                <a:spcPct val="0"/>
+              </a:spcBef>
+              <a:spcAft>
+                <a:spcPct val="0"/>
+              </a:spcAft>
+            </a:pPr>
+            <a:r>
+              <a:rPr lang="en-IN" dirty="0"/>
+              <a:t>-&gt;</a:t>
+            </a:r>
+            <a:r>
+              <a:rPr lang="en-IN" dirty="0">
+                <a:solidFill>
+                  <a:schemeClr val="bg1"/>
+                </a:solidFill>
+              </a:rPr>
+              <a:t>tail </a:t>
+            </a:r>
+            <a:r>
+              <a:rPr kumimoji="0" lang="en-US" altLang="en-US" b="0" i="0" u="none" strike="noStrike" cap="none" normalizeH="0" baseline="0" dirty="0">
+                <a:ln>
+                  <a:noFill/>
+                </a:ln>
+                <a:solidFill>
+                  <a:schemeClr val="bg1"/>
+                </a:solidFill>
+                <a:effectLst/>
+                <a:latin typeface="ui-monospace"/>
+              </a:rPr>
+              <a:t>~/.</a:t>
+            </a:r>
+            <a:r>
+              <a:rPr kumimoji="0" lang="en-US" altLang="en-US" b="0" i="0" u="none" strike="noStrike" cap="none" normalizeH="0" baseline="0" dirty="0" err="1">
+                <a:ln>
+                  <a:noFill/>
+                </a:ln>
+                <a:solidFill>
+                  <a:schemeClr val="bg1"/>
+                </a:solidFill>
+                <a:effectLst/>
+                <a:latin typeface="ui-monospace"/>
+              </a:rPr>
+              <a:t>ssh</a:t>
+            </a:r>
+            <a:r>
+              <a:rPr kumimoji="0" lang="en-US" altLang="en-US" b="0" i="0" u="none" strike="noStrike" cap="none" normalizeH="0" baseline="0" dirty="0">
+                <a:ln>
+                  <a:noFill/>
+                </a:ln>
+                <a:solidFill>
+                  <a:schemeClr val="bg1"/>
+                </a:solidFill>
+                <a:effectLst/>
+                <a:latin typeface="ui-monospace"/>
+              </a:rPr>
+              <a:t>/id_ed25519.pub</a:t>
+            </a:r>
+            <a:r>
+              <a:rPr kumimoji="0" lang="en-US" altLang="en-US" b="0" i="0" u="none" strike="noStrike" cap="none" normalizeH="0" baseline="0" dirty="0">
+                <a:ln>
+                  <a:noFill/>
+                </a:ln>
+                <a:solidFill>
+                  <a:schemeClr val="bg1"/>
+                </a:solidFill>
+                <a:effectLst/>
+              </a:rPr>
+              <a:t>  </a:t>
+            </a:r>
+            <a:r>
+              <a:rPr kumimoji="0" lang="en-US" altLang="en-US" b="0" i="0" u="none" strike="noStrike" cap="none" normalizeH="0" baseline="0" dirty="0">
+                <a:ln>
+                  <a:noFill/>
+                </a:ln>
+                <a:solidFill>
+                  <a:schemeClr val="tx1"/>
+                </a:solidFill>
+                <a:effectLst/>
+              </a:rPr>
+              <a:t>(See your SSH Key)</a:t>
+            </a:r>
+            <a:endParaRPr lang="en-IN" dirty="0"/>
+          </a:p>
+          <a:p>
+            <a:pPr marL="0" marR="0" lvl="0" indent="0" algn="l" defTabSz="914400" rtl="0" eaLnBrk="0" fontAlgn="base" latinLnBrk="0" hangingPunct="0">
+              <a:lnSpc>
+                <a:spcPct val="100000"/>
+              </a:lnSpc>
+              <a:spcBef>
+                <a:spcPct val="0"/>
+              </a:spcBef>
+              <a:spcAft>
+                <a:spcPct val="0"/>
+              </a:spcAft>
+              <a:buClrTx/>
+              <a:buSzTx/>
+              <a:buFontTx/>
+              <a:buNone/>
+              <a:tabLst/>
+            </a:pPr>
+            <a:r>
+              <a:rPr lang="en-US" altLang="en-US" dirty="0"/>
+              <a:t>Step 2 :Open GitHub &amp; add new SSH Key( Local Git’s SSH Key)(In the Pic Red portion)</a:t>
+            </a:r>
+          </a:p>
+          <a:p>
+            <a:pPr defTabSz="914400" eaLnBrk="0" fontAlgn="base" hangingPunct="0">
+              <a:spcBef>
+                <a:spcPct val="0"/>
+              </a:spcBef>
+              <a:spcAft>
+                <a:spcPct val="0"/>
+              </a:spcAft>
+            </a:pPr>
+            <a:r>
+              <a:rPr lang="en-IN" dirty="0">
+                <a:solidFill>
+                  <a:srgbClr val="FFFF00"/>
+                </a:solidFill>
+              </a:rPr>
+              <a:t>	GitHub Website </a:t>
+            </a:r>
+            <a:r>
+              <a:rPr lang="en-IN" dirty="0"/>
+              <a:t>-&gt;</a:t>
+            </a:r>
+            <a:r>
+              <a:rPr lang="en-IN" dirty="0">
+                <a:solidFill>
+                  <a:srgbClr val="FFFF00"/>
+                </a:solidFill>
+              </a:rPr>
+              <a:t>Click on Profile Icon-</a:t>
+            </a:r>
+            <a:r>
+              <a:rPr lang="en-IN" dirty="0"/>
+              <a:t>&gt; </a:t>
+            </a:r>
+            <a:r>
+              <a:rPr lang="en-IN" dirty="0">
+                <a:solidFill>
+                  <a:srgbClr val="FFFF00"/>
+                </a:solidFill>
+              </a:rPr>
+              <a:t>Settings-&gt;SSH &amp; GPG Keys -&gt; New SSH Key</a:t>
+            </a:r>
+          </a:p>
+          <a:p>
+            <a:r>
+              <a:rPr lang="en-US" dirty="0">
+                <a:latin typeface="Arial" panose="020B0604020202020204" pitchFamily="34" charset="0"/>
+              </a:rPr>
+              <a:t>		</a:t>
+            </a:r>
+            <a:r>
+              <a:rPr lang="en-IN" dirty="0"/>
+              <a:t>give a title &amp; paste the SSH Key &amp; add it</a:t>
+            </a:r>
+          </a:p>
+        </p:txBody>
+      </p:sp>
+      <p:pic>
+        <p:nvPicPr>
+          <p:cNvPr id="11" name="Picture 10">
+            <a:extLst>
+              <a:ext uri="{FF2B5EF4-FFF2-40B4-BE49-F238E27FC236}">
+                <a16:creationId xmlns:a16="http://schemas.microsoft.com/office/drawing/2014/main" id="{81A0504B-9557-C334-68F1-615FC938AE84}"/>
+              </a:ext>
+            </a:extLst>
+          </p:cNvPr>
+          <p:cNvPicPr>
+            <a:picLocks noChangeAspect="1"/>
+          </p:cNvPicPr>
+          <p:nvPr/>
+        </p:nvPicPr>
+        <p:blipFill>
+          <a:blip r:embed="rId2">
+            <a:extLst>
+              <a:ext uri="{28A0092B-C50C-407E-A947-70E740481C1C}">
+                <a14:useLocalDpi xmlns:a14="http://schemas.microsoft.com/office/drawing/2010/main" val="0"/>
+              </a:ext>
+            </a:extLst>
+          </a:blip>
+          <a:stretch>
+            <a:fillRect/>
+          </a:stretch>
+        </p:blipFill>
+        <p:spPr>
+          <a:xfrm>
+            <a:off x="-1" y="4672030"/>
+            <a:ext cx="4808615" cy="2214845"/>
+          </a:xfrm>
+          <a:prstGeom prst="rect">
+            <a:avLst/>
+          </a:prstGeom>
+        </p:spPr>
+      </p:pic>
+      <p:pic>
+        <p:nvPicPr>
+          <p:cNvPr id="13" name="Picture 12">
+            <a:extLst>
+              <a:ext uri="{FF2B5EF4-FFF2-40B4-BE49-F238E27FC236}">
+                <a16:creationId xmlns:a16="http://schemas.microsoft.com/office/drawing/2014/main" id="{201A4C7F-9593-B146-88F7-332A67149321}"/>
+              </a:ext>
+            </a:extLst>
+          </p:cNvPr>
+          <p:cNvPicPr>
+            <a:picLocks noChangeAspect="1"/>
+          </p:cNvPicPr>
+          <p:nvPr/>
+        </p:nvPicPr>
+        <p:blipFill>
+          <a:blip r:embed="rId3"/>
+          <a:stretch>
+            <a:fillRect/>
+          </a:stretch>
+        </p:blipFill>
+        <p:spPr>
+          <a:xfrm>
+            <a:off x="4808614" y="4679165"/>
+            <a:ext cx="3860799" cy="2171699"/>
+          </a:xfrm>
+          <a:prstGeom prst="rect">
+            <a:avLst/>
+          </a:prstGeom>
+        </p:spPr>
+      </p:pic>
+      <p:pic>
+        <p:nvPicPr>
+          <p:cNvPr id="15" name="Picture 14">
+            <a:extLst>
+              <a:ext uri="{FF2B5EF4-FFF2-40B4-BE49-F238E27FC236}">
+                <a16:creationId xmlns:a16="http://schemas.microsoft.com/office/drawing/2014/main" id="{54213B06-0C21-F017-9140-3BB1E858856B}"/>
+              </a:ext>
+            </a:extLst>
+          </p:cNvPr>
+          <p:cNvPicPr>
+            <a:picLocks noChangeAspect="1"/>
+          </p:cNvPicPr>
+          <p:nvPr/>
+        </p:nvPicPr>
+        <p:blipFill>
+          <a:blip r:embed="rId4"/>
+          <a:stretch>
+            <a:fillRect/>
+          </a:stretch>
+        </p:blipFill>
+        <p:spPr>
+          <a:xfrm>
+            <a:off x="8669413" y="4693436"/>
+            <a:ext cx="3495833" cy="2157428"/>
+          </a:xfrm>
+          <a:prstGeom prst="rect">
+            <a:avLst/>
+          </a:prstGeom>
+        </p:spPr>
+      </p:pic>
+    </p:spTree>
+    <p:extLst>
+      <p:ext uri="{BB962C8B-B14F-4D97-AF65-F5344CB8AC3E}">
+        <p14:creationId xmlns:p14="http://schemas.microsoft.com/office/powerpoint/2010/main" val="2893050531"/>
+      </p:ext>
+    </p:extLst>
+  </p:cSld>
+  <p:clrMapOvr>
+    <a:masterClrMapping/>
+  </p:clrMapOvr>
+</p:sld>
+</file>
+
+<file path=ppt/slides/slide23.xml><?xml version="1.0" encoding="utf-8"?>
+<p:sld xmlns:a="http://schemas.openxmlformats.org/drawingml/2006/main" xmlns:r="http://schemas.openxmlformats.org/officeDocument/2006/relationships" xmlns:p="http://schemas.openxmlformats.org/presentationml/2006/main">
+  <p:cSld>
+    <p:spTree>
+      <p:nvGrpSpPr>
+        <p:cNvPr id="1" name=""/>
+        <p:cNvGrpSpPr/>
+        <p:nvPr/>
+      </p:nvGrpSpPr>
+      <p:grpSpPr>
+        <a:xfrm>
+          <a:off x="0" y="0"/>
+          <a:ext cx="0" cy="0"/>
+          <a:chOff x="0" y="0"/>
+          <a:chExt cx="0" cy="0"/>
+        </a:xfrm>
+      </p:grpSpPr>
+      <p:sp>
+        <p:nvSpPr>
+          <p:cNvPr id="2" name="Title 1">
+            <a:extLst>
+              <a:ext uri="{FF2B5EF4-FFF2-40B4-BE49-F238E27FC236}">
+                <a16:creationId xmlns:a16="http://schemas.microsoft.com/office/drawing/2014/main" id="{C1D7A639-2128-CD69-3541-CFFDEA9B97BC}"/>
+              </a:ext>
+            </a:extLst>
+          </p:cNvPr>
+          <p:cNvSpPr>
+            <a:spLocks noGrp="1"/>
+          </p:cNvSpPr>
+          <p:nvPr>
+            <p:ph type="title"/>
+          </p:nvPr>
+        </p:nvSpPr>
+        <p:spPr/>
+        <p:txBody>
+          <a:bodyPr/>
+          <a:lstStyle/>
+          <a:p>
+            <a:r>
+              <a:rPr lang="en-IN" dirty="0"/>
+              <a:t>Push Project to GitHub</a:t>
+            </a:r>
+          </a:p>
+        </p:txBody>
+      </p:sp>
+      <p:sp>
+        <p:nvSpPr>
+          <p:cNvPr id="3" name="TextBox 2">
+            <a:extLst>
+              <a:ext uri="{FF2B5EF4-FFF2-40B4-BE49-F238E27FC236}">
+                <a16:creationId xmlns:a16="http://schemas.microsoft.com/office/drawing/2014/main" id="{14AB5E25-2A56-F19B-9864-56DF23AD2098}"/>
+              </a:ext>
+            </a:extLst>
+          </p:cNvPr>
+          <p:cNvSpPr txBox="1"/>
+          <p:nvPr/>
+        </p:nvSpPr>
+        <p:spPr>
+          <a:xfrm>
+            <a:off x="680321" y="2618072"/>
+            <a:ext cx="7334450" cy="1200329"/>
+          </a:xfrm>
+          <a:prstGeom prst="rect">
+            <a:avLst/>
+          </a:prstGeom>
+          <a:noFill/>
+        </p:spPr>
+        <p:txBody>
+          <a:bodyPr wrap="square" rtlCol="0">
+            <a:spAutoFit/>
+          </a:bodyPr>
+          <a:lstStyle/>
+          <a:p>
+            <a:r>
+              <a:rPr lang="en-IN" dirty="0"/>
+              <a:t>Now go to </a:t>
+            </a:r>
+            <a:r>
+              <a:rPr lang="en-IN" dirty="0" err="1"/>
+              <a:t>GitBash</a:t>
+            </a:r>
+            <a:r>
+              <a:rPr lang="en-IN" dirty="0"/>
+              <a:t> and run the Commands</a:t>
+            </a:r>
+          </a:p>
+          <a:p>
+            <a:r>
+              <a:rPr lang="en-IN" dirty="0">
+                <a:solidFill>
+                  <a:schemeClr val="bg1"/>
+                </a:solidFill>
+              </a:rPr>
+              <a:t>git commit </a:t>
+            </a:r>
+            <a:r>
+              <a:rPr lang="en-IN" dirty="0"/>
+              <a:t>(Commit your changes)</a:t>
+            </a:r>
+          </a:p>
+          <a:p>
+            <a:r>
+              <a:rPr lang="en-IN" dirty="0">
+                <a:solidFill>
+                  <a:schemeClr val="bg1"/>
+                </a:solidFill>
+              </a:rPr>
+              <a:t>git push –u origin main </a:t>
+            </a:r>
+            <a:r>
+              <a:rPr lang="en-IN" dirty="0"/>
+              <a:t>(Push main Branch to origin)</a:t>
+            </a:r>
+          </a:p>
+          <a:p>
+            <a:endParaRPr lang="en-IN" dirty="0"/>
+          </a:p>
+        </p:txBody>
+      </p:sp>
+    </p:spTree>
+    <p:extLst>
+      <p:ext uri="{BB962C8B-B14F-4D97-AF65-F5344CB8AC3E}">
+        <p14:creationId xmlns:p14="http://schemas.microsoft.com/office/powerpoint/2010/main" val="2055697005"/>
       </p:ext>
     </p:extLst>
   </p:cSld>

--- a/GitPresent.pptx
+++ b/GitPresent.pptx
@@ -13914,7 +13914,7 @@
         <p:spPr>
           <a:xfrm>
             <a:off x="680321" y="2618072"/>
-            <a:ext cx="7334450" cy="1200329"/>
+            <a:ext cx="7334450" cy="1384995"/>
           </a:xfrm>
           <a:prstGeom prst="rect">
             <a:avLst/>
@@ -13969,10 +13969,58 @@
             </a:r>
           </a:p>
           <a:p>
+            <a:r>
+              <a:rPr lang="en-IN" sz="1200" dirty="0"/>
+              <a:t>             😊⭐</a:t>
+            </a:r>
+            <a:r>
+              <a:rPr lang="en-IN" sz="1200" dirty="0">
+                <a:solidFill>
+                  <a:srgbClr val="92D050"/>
+                </a:solidFill>
+              </a:rPr>
+              <a:t>Your Files are Uploaded Successful to GitHub</a:t>
+            </a:r>
+            <a:r>
+              <a:rPr lang="en-IN" sz="1200" dirty="0"/>
+              <a:t>😊⭐</a:t>
+            </a:r>
+          </a:p>
+          <a:p>
             <a:endParaRPr lang="en-IN" dirty="0"/>
           </a:p>
         </p:txBody>
       </p:sp>
+      <p:pic>
+        <p:nvPicPr>
+          <p:cNvPr id="5" name="Picture 4">
+            <a:extLst>
+              <a:ext uri="{FF2B5EF4-FFF2-40B4-BE49-F238E27FC236}">
+                <a16:creationId xmlns:a16="http://schemas.microsoft.com/office/drawing/2014/main" id="{8C9FC67A-7706-93E5-B767-10B64B706508}"/>
+              </a:ext>
+            </a:extLst>
+          </p:cNvPr>
+          <p:cNvPicPr>
+            <a:picLocks noChangeAspect="1"/>
+          </p:cNvPicPr>
+          <p:nvPr/>
+        </p:nvPicPr>
+        <p:blipFill>
+          <a:blip r:embed="rId2"/>
+          <a:stretch>
+            <a:fillRect/>
+          </a:stretch>
+        </p:blipFill>
+        <p:spPr>
+          <a:xfrm>
+            <a:off x="0" y="4051703"/>
+            <a:ext cx="5059680" cy="2806297"/>
+          </a:xfrm>
+          <a:prstGeom prst="rect">
+            <a:avLst/>
+          </a:prstGeom>
+        </p:spPr>
+      </p:pic>
     </p:spTree>
     <p:extLst>
       <p:ext uri="{BB962C8B-B14F-4D97-AF65-F5344CB8AC3E}">

--- a/GitPresent.pptx
+++ b/GitPresent.pptx
@@ -28,6 +28,9 @@
     <p:sldId id="276" r:id="rId22"/>
     <p:sldId id="277" r:id="rId23"/>
     <p:sldId id="278" r:id="rId24"/>
+    <p:sldId id="279" r:id="rId25"/>
+    <p:sldId id="280" r:id="rId26"/>
+    <p:sldId id="281" r:id="rId27"/>
   </p:sldIdLst>
   <p:sldSz cx="12192000" cy="6858000"/>
   <p:notesSz cx="6858000" cy="9144000"/>
@@ -7845,6 +7848,78 @@
           </a:p>
         </p:txBody>
       </p:sp>
+      <p:pic>
+        <p:nvPicPr>
+          <p:cNvPr id="5" name="Picture 4">
+            <a:extLst>
+              <a:ext uri="{FF2B5EF4-FFF2-40B4-BE49-F238E27FC236}">
+                <a16:creationId xmlns:a16="http://schemas.microsoft.com/office/drawing/2014/main" id="{864149F6-9290-9C29-0731-5FED82655F85}"/>
+              </a:ext>
+            </a:extLst>
+          </p:cNvPr>
+          <p:cNvPicPr>
+            <a:picLocks noChangeAspect="1"/>
+          </p:cNvPicPr>
+          <p:nvPr/>
+        </p:nvPicPr>
+        <p:blipFill>
+          <a:blip r:embed="rId2">
+            <a:extLst>
+              <a:ext uri="{28A0092B-C50C-407E-A947-70E740481C1C}">
+                <a14:useLocalDpi xmlns:a14="http://schemas.microsoft.com/office/drawing/2010/main" val="0"/>
+              </a:ext>
+            </a:extLst>
+          </a:blip>
+          <a:stretch>
+            <a:fillRect/>
+          </a:stretch>
+        </p:blipFill>
+        <p:spPr>
+          <a:xfrm>
+            <a:off x="4850246" y="3429000"/>
+            <a:ext cx="520651" cy="520651"/>
+          </a:xfrm>
+          <a:prstGeom prst="rect">
+            <a:avLst/>
+          </a:prstGeom>
+        </p:spPr>
+      </p:pic>
+      <p:pic>
+        <p:nvPicPr>
+          <p:cNvPr id="7" name="Picture 6">
+            <a:extLst>
+              <a:ext uri="{FF2B5EF4-FFF2-40B4-BE49-F238E27FC236}">
+                <a16:creationId xmlns:a16="http://schemas.microsoft.com/office/drawing/2014/main" id="{67506802-DAA7-3943-378B-8A954999E355}"/>
+              </a:ext>
+            </a:extLst>
+          </p:cNvPr>
+          <p:cNvPicPr>
+            <a:picLocks noChangeAspect="1"/>
+          </p:cNvPicPr>
+          <p:nvPr/>
+        </p:nvPicPr>
+        <p:blipFill>
+          <a:blip r:embed="rId3">
+            <a:extLst>
+              <a:ext uri="{28A0092B-C50C-407E-A947-70E740481C1C}">
+                <a14:useLocalDpi xmlns:a14="http://schemas.microsoft.com/office/drawing/2010/main" val="0"/>
+              </a:ext>
+            </a:extLst>
+          </a:blip>
+          <a:stretch>
+            <a:fillRect/>
+          </a:stretch>
+        </p:blipFill>
+        <p:spPr>
+          <a:xfrm>
+            <a:off x="9710885" y="2528603"/>
+            <a:ext cx="1800793" cy="1800793"/>
+          </a:xfrm>
+          <a:prstGeom prst="rect">
+            <a:avLst/>
+          </a:prstGeom>
+        </p:spPr>
+      </p:pic>
     </p:spTree>
     <p:extLst>
       <p:ext uri="{BB962C8B-B14F-4D97-AF65-F5344CB8AC3E}">
@@ -14025,6 +14100,1671 @@
     <p:extLst>
       <p:ext uri="{BB962C8B-B14F-4D97-AF65-F5344CB8AC3E}">
         <p14:creationId xmlns:p14="http://schemas.microsoft.com/office/powerpoint/2010/main" val="2055697005"/>
+      </p:ext>
+    </p:extLst>
+  </p:cSld>
+  <p:clrMapOvr>
+    <a:masterClrMapping/>
+  </p:clrMapOvr>
+</p:sld>
+</file>
+
+<file path=ppt/slides/slide24.xml><?xml version="1.0" encoding="utf-8"?>
+<p:sld xmlns:a="http://schemas.openxmlformats.org/drawingml/2006/main" xmlns:r="http://schemas.openxmlformats.org/officeDocument/2006/relationships" xmlns:p="http://schemas.openxmlformats.org/presentationml/2006/main">
+  <p:cSld>
+    <p:spTree>
+      <p:nvGrpSpPr>
+        <p:cNvPr id="1" name=""/>
+        <p:cNvGrpSpPr/>
+        <p:nvPr/>
+      </p:nvGrpSpPr>
+      <p:grpSpPr>
+        <a:xfrm>
+          <a:off x="0" y="0"/>
+          <a:ext cx="0" cy="0"/>
+          <a:chOff x="0" y="0"/>
+          <a:chExt cx="0" cy="0"/>
+        </a:xfrm>
+      </p:grpSpPr>
+      <p:sp>
+        <p:nvSpPr>
+          <p:cNvPr id="2" name="Title 1">
+            <a:extLst>
+              <a:ext uri="{FF2B5EF4-FFF2-40B4-BE49-F238E27FC236}">
+                <a16:creationId xmlns:a16="http://schemas.microsoft.com/office/drawing/2014/main" id="{009B669C-EB65-C5BD-B319-099217E2EF6D}"/>
+              </a:ext>
+            </a:extLst>
+          </p:cNvPr>
+          <p:cNvSpPr>
+            <a:spLocks noGrp="1"/>
+          </p:cNvSpPr>
+          <p:nvPr>
+            <p:ph type="title"/>
+          </p:nvPr>
+        </p:nvSpPr>
+        <p:spPr/>
+        <p:txBody>
+          <a:bodyPr/>
+          <a:lstStyle/>
+          <a:p>
+            <a:r>
+              <a:rPr lang="en-IN" dirty="0"/>
+              <a:t>Git Alias</a:t>
+            </a:r>
+          </a:p>
+        </p:txBody>
+      </p:sp>
+      <p:sp>
+        <p:nvSpPr>
+          <p:cNvPr id="3" name="TextBox 2">
+            <a:extLst>
+              <a:ext uri="{FF2B5EF4-FFF2-40B4-BE49-F238E27FC236}">
+                <a16:creationId xmlns:a16="http://schemas.microsoft.com/office/drawing/2014/main" id="{0A44665F-96E6-D085-12A6-0E50DC1DC599}"/>
+              </a:ext>
+            </a:extLst>
+          </p:cNvPr>
+          <p:cNvSpPr txBox="1"/>
+          <p:nvPr/>
+        </p:nvSpPr>
+        <p:spPr>
+          <a:xfrm>
+            <a:off x="385011" y="2377440"/>
+            <a:ext cx="9909171" cy="1877437"/>
+          </a:xfrm>
+          <a:prstGeom prst="rect">
+            <a:avLst/>
+          </a:prstGeom>
+          <a:noFill/>
+        </p:spPr>
+        <p:txBody>
+          <a:bodyPr wrap="square" rtlCol="0">
+            <a:spAutoFit/>
+          </a:bodyPr>
+          <a:lstStyle/>
+          <a:p>
+            <a:r>
+              <a:rPr lang="en-IN" dirty="0">
+                <a:solidFill>
+                  <a:srgbClr val="FFFF00"/>
+                </a:solidFill>
+              </a:rPr>
+              <a:t>What is Git Alias?</a:t>
+            </a:r>
+            <a:r>
+              <a:rPr lang="en-IN" dirty="0"/>
+              <a:t>😢</a:t>
+            </a:r>
+          </a:p>
+          <a:p>
+            <a:r>
+              <a:rPr lang="en-IN" sz="1600" dirty="0"/>
+              <a:t>Git Alias is nothing but a feature provided by Git to make your custom </a:t>
+            </a:r>
+            <a:r>
+              <a:rPr lang="en-IN" sz="1600" dirty="0" err="1"/>
+              <a:t>sortcuts</a:t>
+            </a:r>
+            <a:endParaRPr lang="en-IN" sz="1600" dirty="0"/>
+          </a:p>
+          <a:p>
+            <a:r>
+              <a:rPr lang="en-IN" sz="1600" dirty="0" err="1"/>
+              <a:t>Ie</a:t>
+            </a:r>
+            <a:r>
+              <a:rPr lang="en-IN" sz="1600" dirty="0"/>
+              <a:t>, You can set some custom command for any Git Bash command</a:t>
+            </a:r>
+          </a:p>
+          <a:p>
+            <a:endParaRPr lang="en-IN" sz="1600" dirty="0"/>
+          </a:p>
+          <a:p>
+            <a:r>
+              <a:rPr lang="en-IN" sz="1600" dirty="0"/>
+              <a:t>Ex: </a:t>
+            </a:r>
+            <a:r>
+              <a:rPr lang="en-IN" sz="1600" dirty="0">
+                <a:solidFill>
+                  <a:schemeClr val="bg1"/>
+                </a:solidFill>
+              </a:rPr>
+              <a:t>git </a:t>
+            </a:r>
+            <a:r>
+              <a:rPr lang="en-IN" sz="1600" dirty="0" err="1">
+                <a:solidFill>
+                  <a:schemeClr val="bg1"/>
+                </a:solidFill>
+              </a:rPr>
+              <a:t>confing</a:t>
+            </a:r>
+            <a:r>
+              <a:rPr lang="en-IN" sz="1600" dirty="0">
+                <a:solidFill>
+                  <a:schemeClr val="bg1"/>
+                </a:solidFill>
+              </a:rPr>
+              <a:t> --global  alias.</a:t>
+            </a:r>
+            <a:r>
+              <a:rPr lang="en-IN" sz="1600" dirty="0">
+                <a:solidFill>
+                  <a:srgbClr val="92D050"/>
+                </a:solidFill>
+              </a:rPr>
+              <a:t>st</a:t>
+            </a:r>
+            <a:r>
+              <a:rPr lang="en-IN" sz="1600" dirty="0"/>
+              <a:t> </a:t>
+            </a:r>
+            <a:r>
+              <a:rPr lang="en-IN" sz="1600" dirty="0">
+                <a:solidFill>
+                  <a:schemeClr val="tx2">
+                    <a:lumMod val="50000"/>
+                  </a:schemeClr>
+                </a:solidFill>
+              </a:rPr>
+              <a:t>status</a:t>
+            </a:r>
+            <a:r>
+              <a:rPr lang="en-IN" sz="1600" dirty="0"/>
+              <a:t> </a:t>
+            </a:r>
+          </a:p>
+          <a:p>
+            <a:r>
+              <a:rPr lang="en-IN" sz="1600" dirty="0"/>
+              <a:t>(Now you can use “git </a:t>
+            </a:r>
+            <a:r>
+              <a:rPr lang="en-IN" sz="1600" dirty="0" err="1"/>
+              <a:t>st</a:t>
+            </a:r>
+            <a:r>
+              <a:rPr lang="en-IN" sz="1600" dirty="0"/>
+              <a:t>” instead of git “git status”)</a:t>
+            </a:r>
+          </a:p>
+          <a:p>
+            <a:endParaRPr lang="en-IN" dirty="0"/>
+          </a:p>
+        </p:txBody>
+      </p:sp>
+      <p:pic>
+        <p:nvPicPr>
+          <p:cNvPr id="5" name="Picture 4">
+            <a:extLst>
+              <a:ext uri="{FF2B5EF4-FFF2-40B4-BE49-F238E27FC236}">
+                <a16:creationId xmlns:a16="http://schemas.microsoft.com/office/drawing/2014/main" id="{4398FE48-34F7-598C-E7C0-4C535B9433E8}"/>
+              </a:ext>
+            </a:extLst>
+          </p:cNvPr>
+          <p:cNvPicPr>
+            <a:picLocks noChangeAspect="1"/>
+          </p:cNvPicPr>
+          <p:nvPr/>
+        </p:nvPicPr>
+        <p:blipFill>
+          <a:blip r:embed="rId2"/>
+          <a:stretch>
+            <a:fillRect/>
+          </a:stretch>
+        </p:blipFill>
+        <p:spPr>
+          <a:xfrm>
+            <a:off x="7887656" y="4427621"/>
+            <a:ext cx="4304344" cy="2430379"/>
+          </a:xfrm>
+          <a:prstGeom prst="rect">
+            <a:avLst/>
+          </a:prstGeom>
+        </p:spPr>
+      </p:pic>
+    </p:spTree>
+    <p:extLst>
+      <p:ext uri="{BB962C8B-B14F-4D97-AF65-F5344CB8AC3E}">
+        <p14:creationId xmlns:p14="http://schemas.microsoft.com/office/powerpoint/2010/main" val="1932312507"/>
+      </p:ext>
+    </p:extLst>
+  </p:cSld>
+  <p:clrMapOvr>
+    <a:masterClrMapping/>
+  </p:clrMapOvr>
+</p:sld>
+</file>
+
+<file path=ppt/slides/slide25.xml><?xml version="1.0" encoding="utf-8"?>
+<p:sld xmlns:a="http://schemas.openxmlformats.org/drawingml/2006/main" xmlns:r="http://schemas.openxmlformats.org/officeDocument/2006/relationships" xmlns:p="http://schemas.openxmlformats.org/presentationml/2006/main">
+  <p:cSld>
+    <p:spTree>
+      <p:nvGrpSpPr>
+        <p:cNvPr id="1" name=""/>
+        <p:cNvGrpSpPr/>
+        <p:nvPr/>
+      </p:nvGrpSpPr>
+      <p:grpSpPr>
+        <a:xfrm>
+          <a:off x="0" y="0"/>
+          <a:ext cx="0" cy="0"/>
+          <a:chOff x="0" y="0"/>
+          <a:chExt cx="0" cy="0"/>
+        </a:xfrm>
+      </p:grpSpPr>
+      <p:sp>
+        <p:nvSpPr>
+          <p:cNvPr id="2" name="Title 1">
+            <a:extLst>
+              <a:ext uri="{FF2B5EF4-FFF2-40B4-BE49-F238E27FC236}">
+                <a16:creationId xmlns:a16="http://schemas.microsoft.com/office/drawing/2014/main" id="{0E7EA85E-6CB5-909B-C815-6A82BA8276BC}"/>
+              </a:ext>
+            </a:extLst>
+          </p:cNvPr>
+          <p:cNvSpPr>
+            <a:spLocks noGrp="1"/>
+          </p:cNvSpPr>
+          <p:nvPr>
+            <p:ph type="title"/>
+          </p:nvPr>
+        </p:nvSpPr>
+        <p:spPr/>
+        <p:txBody>
+          <a:bodyPr/>
+          <a:lstStyle/>
+          <a:p>
+            <a:r>
+              <a:rPr lang="en-IN" dirty="0"/>
+              <a:t>Branches in Git</a:t>
+            </a:r>
+          </a:p>
+        </p:txBody>
+      </p:sp>
+      <p:sp>
+        <p:nvSpPr>
+          <p:cNvPr id="3" name="TextBox 2">
+            <a:extLst>
+              <a:ext uri="{FF2B5EF4-FFF2-40B4-BE49-F238E27FC236}">
+                <a16:creationId xmlns:a16="http://schemas.microsoft.com/office/drawing/2014/main" id="{D4D012C3-D2CF-38F8-3CF0-3232EA6790C3}"/>
+              </a:ext>
+            </a:extLst>
+          </p:cNvPr>
+          <p:cNvSpPr txBox="1"/>
+          <p:nvPr/>
+        </p:nvSpPr>
+        <p:spPr>
+          <a:xfrm>
+            <a:off x="336882" y="2223436"/>
+            <a:ext cx="10953551" cy="646331"/>
+          </a:xfrm>
+          <a:prstGeom prst="rect">
+            <a:avLst/>
+          </a:prstGeom>
+          <a:noFill/>
+        </p:spPr>
+        <p:txBody>
+          <a:bodyPr wrap="square" rtlCol="0">
+            <a:spAutoFit/>
+          </a:bodyPr>
+          <a:lstStyle/>
+          <a:p>
+            <a:r>
+              <a:rPr lang="en-IN" dirty="0">
+                <a:solidFill>
+                  <a:srgbClr val="FFCC00"/>
+                </a:solidFill>
+              </a:rPr>
+              <a:t>You can create a branch any time from any branch &amp; do different </a:t>
+            </a:r>
+            <a:r>
+              <a:rPr lang="en-IN" dirty="0" err="1">
+                <a:solidFill>
+                  <a:srgbClr val="FFCC00"/>
+                </a:solidFill>
+              </a:rPr>
+              <a:t>different</a:t>
+            </a:r>
+            <a:r>
+              <a:rPr lang="en-IN" dirty="0">
+                <a:solidFill>
+                  <a:srgbClr val="FFCC00"/>
+                </a:solidFill>
+              </a:rPr>
+              <a:t> tasks &amp; testing on them , after that you also can marge this branch with main(Production Branch)</a:t>
+            </a:r>
+          </a:p>
+        </p:txBody>
+      </p:sp>
+      <p:sp>
+        <p:nvSpPr>
+          <p:cNvPr id="6" name="Rectangle 5">
+            <a:extLst>
+              <a:ext uri="{FF2B5EF4-FFF2-40B4-BE49-F238E27FC236}">
+                <a16:creationId xmlns:a16="http://schemas.microsoft.com/office/drawing/2014/main" id="{F65EEC85-A101-5504-9B8D-52FC68983BE9}"/>
+              </a:ext>
+            </a:extLst>
+          </p:cNvPr>
+          <p:cNvSpPr/>
+          <p:nvPr/>
+        </p:nvSpPr>
+        <p:spPr>
+          <a:xfrm>
+            <a:off x="1751798" y="4504623"/>
+            <a:ext cx="6679933" cy="45719"/>
+          </a:xfrm>
+          <a:prstGeom prst="rect">
+            <a:avLst/>
+          </a:prstGeom>
+        </p:spPr>
+        <p:style>
+          <a:lnRef idx="2">
+            <a:schemeClr val="dk1">
+              <a:shade val="50000"/>
+            </a:schemeClr>
+          </a:lnRef>
+          <a:fillRef idx="1">
+            <a:schemeClr val="dk1"/>
+          </a:fillRef>
+          <a:effectRef idx="0">
+            <a:schemeClr val="dk1"/>
+          </a:effectRef>
+          <a:fontRef idx="minor">
+            <a:schemeClr val="lt1"/>
+          </a:fontRef>
+        </p:style>
+        <p:txBody>
+          <a:bodyPr rtlCol="0" anchor="ctr"/>
+          <a:lstStyle/>
+          <a:p>
+            <a:pPr algn="ctr"/>
+            <a:endParaRPr lang="en-IN"/>
+          </a:p>
+        </p:txBody>
+      </p:sp>
+      <p:sp>
+        <p:nvSpPr>
+          <p:cNvPr id="7" name="Oval 6">
+            <a:extLst>
+              <a:ext uri="{FF2B5EF4-FFF2-40B4-BE49-F238E27FC236}">
+                <a16:creationId xmlns:a16="http://schemas.microsoft.com/office/drawing/2014/main" id="{536C0E92-65CE-5062-C7D2-BA4F7FEA2D85}"/>
+              </a:ext>
+            </a:extLst>
+          </p:cNvPr>
+          <p:cNvSpPr/>
+          <p:nvPr/>
+        </p:nvSpPr>
+        <p:spPr>
+          <a:xfrm>
+            <a:off x="2413419" y="4422919"/>
+            <a:ext cx="195581" cy="209126"/>
+          </a:xfrm>
+          <a:prstGeom prst="ellipse">
+            <a:avLst/>
+          </a:prstGeom>
+          <a:solidFill>
+            <a:srgbClr val="92D050"/>
+          </a:solidFill>
+        </p:spPr>
+        <p:style>
+          <a:lnRef idx="2">
+            <a:schemeClr val="accent1">
+              <a:shade val="50000"/>
+            </a:schemeClr>
+          </a:lnRef>
+          <a:fillRef idx="1">
+            <a:schemeClr val="accent1"/>
+          </a:fillRef>
+          <a:effectRef idx="0">
+            <a:schemeClr val="accent1"/>
+          </a:effectRef>
+          <a:fontRef idx="minor">
+            <a:schemeClr val="lt1"/>
+          </a:fontRef>
+        </p:style>
+        <p:txBody>
+          <a:bodyPr rtlCol="0" anchor="ctr"/>
+          <a:lstStyle/>
+          <a:p>
+            <a:pPr algn="ctr"/>
+            <a:endParaRPr lang="en-IN"/>
+          </a:p>
+        </p:txBody>
+      </p:sp>
+      <p:sp>
+        <p:nvSpPr>
+          <p:cNvPr id="10" name="Oval 9">
+            <a:extLst>
+              <a:ext uri="{FF2B5EF4-FFF2-40B4-BE49-F238E27FC236}">
+                <a16:creationId xmlns:a16="http://schemas.microsoft.com/office/drawing/2014/main" id="{555F8C0B-7DDE-31CA-10D3-8BB4209B7698}"/>
+              </a:ext>
+            </a:extLst>
+          </p:cNvPr>
+          <p:cNvSpPr/>
+          <p:nvPr/>
+        </p:nvSpPr>
+        <p:spPr>
+          <a:xfrm>
+            <a:off x="7454900" y="4422919"/>
+            <a:ext cx="195581" cy="209126"/>
+          </a:xfrm>
+          <a:prstGeom prst="ellipse">
+            <a:avLst/>
+          </a:prstGeom>
+          <a:solidFill>
+            <a:srgbClr val="92D050"/>
+          </a:solidFill>
+        </p:spPr>
+        <p:style>
+          <a:lnRef idx="2">
+            <a:schemeClr val="accent1">
+              <a:shade val="50000"/>
+            </a:schemeClr>
+          </a:lnRef>
+          <a:fillRef idx="1">
+            <a:schemeClr val="accent1"/>
+          </a:fillRef>
+          <a:effectRef idx="0">
+            <a:schemeClr val="accent1"/>
+          </a:effectRef>
+          <a:fontRef idx="minor">
+            <a:schemeClr val="lt1"/>
+          </a:fontRef>
+        </p:style>
+        <p:txBody>
+          <a:bodyPr rtlCol="0" anchor="ctr"/>
+          <a:lstStyle/>
+          <a:p>
+            <a:pPr algn="ctr"/>
+            <a:endParaRPr lang="en-IN"/>
+          </a:p>
+        </p:txBody>
+      </p:sp>
+      <p:sp>
+        <p:nvSpPr>
+          <p:cNvPr id="11" name="Rectangle 10">
+            <a:extLst>
+              <a:ext uri="{FF2B5EF4-FFF2-40B4-BE49-F238E27FC236}">
+                <a16:creationId xmlns:a16="http://schemas.microsoft.com/office/drawing/2014/main" id="{E01B915F-A9EA-09FA-3A6A-61D567B6A918}"/>
+              </a:ext>
+            </a:extLst>
+          </p:cNvPr>
+          <p:cNvSpPr/>
+          <p:nvPr/>
+        </p:nvSpPr>
+        <p:spPr>
+          <a:xfrm>
+            <a:off x="3840479" y="3814582"/>
+            <a:ext cx="45719" cy="693425"/>
+          </a:xfrm>
+          <a:prstGeom prst="rect">
+            <a:avLst/>
+          </a:prstGeom>
+        </p:spPr>
+        <p:style>
+          <a:lnRef idx="2">
+            <a:schemeClr val="dk1">
+              <a:shade val="50000"/>
+            </a:schemeClr>
+          </a:lnRef>
+          <a:fillRef idx="1">
+            <a:schemeClr val="dk1"/>
+          </a:fillRef>
+          <a:effectRef idx="0">
+            <a:schemeClr val="dk1"/>
+          </a:effectRef>
+          <a:fontRef idx="minor">
+            <a:schemeClr val="lt1"/>
+          </a:fontRef>
+        </p:style>
+        <p:txBody>
+          <a:bodyPr rtlCol="0" anchor="ctr"/>
+          <a:lstStyle/>
+          <a:p>
+            <a:pPr algn="ctr"/>
+            <a:endParaRPr lang="en-IN"/>
+          </a:p>
+        </p:txBody>
+      </p:sp>
+      <p:sp>
+        <p:nvSpPr>
+          <p:cNvPr id="12" name="Rectangle 11">
+            <a:extLst>
+              <a:ext uri="{FF2B5EF4-FFF2-40B4-BE49-F238E27FC236}">
+                <a16:creationId xmlns:a16="http://schemas.microsoft.com/office/drawing/2014/main" id="{5B7C6743-8C76-CA1F-1106-2F1CEC6C87D9}"/>
+              </a:ext>
+            </a:extLst>
+          </p:cNvPr>
+          <p:cNvSpPr/>
+          <p:nvPr/>
+        </p:nvSpPr>
+        <p:spPr>
+          <a:xfrm rot="5400000" flipH="1">
+            <a:off x="5844539" y="1791276"/>
+            <a:ext cx="45719" cy="4053840"/>
+          </a:xfrm>
+          <a:prstGeom prst="rect">
+            <a:avLst/>
+          </a:prstGeom>
+        </p:spPr>
+        <p:style>
+          <a:lnRef idx="2">
+            <a:schemeClr val="dk1">
+              <a:shade val="50000"/>
+            </a:schemeClr>
+          </a:lnRef>
+          <a:fillRef idx="1">
+            <a:schemeClr val="dk1"/>
+          </a:fillRef>
+          <a:effectRef idx="0">
+            <a:schemeClr val="dk1"/>
+          </a:effectRef>
+          <a:fontRef idx="minor">
+            <a:schemeClr val="lt1"/>
+          </a:fontRef>
+        </p:style>
+        <p:txBody>
+          <a:bodyPr rtlCol="0" anchor="ctr"/>
+          <a:lstStyle/>
+          <a:p>
+            <a:pPr algn="ctr"/>
+            <a:endParaRPr lang="en-IN"/>
+          </a:p>
+        </p:txBody>
+      </p:sp>
+      <p:sp>
+        <p:nvSpPr>
+          <p:cNvPr id="13" name="Rectangle 12">
+            <a:extLst>
+              <a:ext uri="{FF2B5EF4-FFF2-40B4-BE49-F238E27FC236}">
+                <a16:creationId xmlns:a16="http://schemas.microsoft.com/office/drawing/2014/main" id="{2797BA69-CDFA-62BD-8BA3-D1F50191FEEF}"/>
+              </a:ext>
+            </a:extLst>
+          </p:cNvPr>
+          <p:cNvSpPr/>
+          <p:nvPr/>
+        </p:nvSpPr>
+        <p:spPr>
+          <a:xfrm>
+            <a:off x="5441532" y="3259037"/>
+            <a:ext cx="45719" cy="555545"/>
+          </a:xfrm>
+          <a:prstGeom prst="rect">
+            <a:avLst/>
+          </a:prstGeom>
+        </p:spPr>
+        <p:style>
+          <a:lnRef idx="2">
+            <a:schemeClr val="dk1">
+              <a:shade val="50000"/>
+            </a:schemeClr>
+          </a:lnRef>
+          <a:fillRef idx="1">
+            <a:schemeClr val="dk1"/>
+          </a:fillRef>
+          <a:effectRef idx="0">
+            <a:schemeClr val="dk1"/>
+          </a:effectRef>
+          <a:fontRef idx="minor">
+            <a:schemeClr val="lt1"/>
+          </a:fontRef>
+        </p:style>
+        <p:txBody>
+          <a:bodyPr rtlCol="0" anchor="ctr"/>
+          <a:lstStyle/>
+          <a:p>
+            <a:pPr algn="ctr"/>
+            <a:endParaRPr lang="en-IN"/>
+          </a:p>
+        </p:txBody>
+      </p:sp>
+      <p:sp>
+        <p:nvSpPr>
+          <p:cNvPr id="14" name="Rectangle 13">
+            <a:extLst>
+              <a:ext uri="{FF2B5EF4-FFF2-40B4-BE49-F238E27FC236}">
+                <a16:creationId xmlns:a16="http://schemas.microsoft.com/office/drawing/2014/main" id="{96A0F5BF-2ECF-D75A-ABB6-3E786DD7256C}"/>
+              </a:ext>
+            </a:extLst>
+          </p:cNvPr>
+          <p:cNvSpPr/>
+          <p:nvPr/>
+        </p:nvSpPr>
+        <p:spPr>
+          <a:xfrm rot="5400000">
+            <a:off x="6832179" y="1868389"/>
+            <a:ext cx="45720" cy="2827016"/>
+          </a:xfrm>
+          <a:prstGeom prst="rect">
+            <a:avLst/>
+          </a:prstGeom>
+        </p:spPr>
+        <p:style>
+          <a:lnRef idx="2">
+            <a:schemeClr val="dk1">
+              <a:shade val="50000"/>
+            </a:schemeClr>
+          </a:lnRef>
+          <a:fillRef idx="1">
+            <a:schemeClr val="dk1"/>
+          </a:fillRef>
+          <a:effectRef idx="0">
+            <a:schemeClr val="dk1"/>
+          </a:effectRef>
+          <a:fontRef idx="minor">
+            <a:schemeClr val="lt1"/>
+          </a:fontRef>
+        </p:style>
+        <p:txBody>
+          <a:bodyPr rtlCol="0" anchor="ctr"/>
+          <a:lstStyle/>
+          <a:p>
+            <a:pPr algn="ctr"/>
+            <a:endParaRPr lang="en-IN"/>
+          </a:p>
+        </p:txBody>
+      </p:sp>
+      <p:sp>
+        <p:nvSpPr>
+          <p:cNvPr id="15" name="Rectangle 14">
+            <a:extLst>
+              <a:ext uri="{FF2B5EF4-FFF2-40B4-BE49-F238E27FC236}">
+                <a16:creationId xmlns:a16="http://schemas.microsoft.com/office/drawing/2014/main" id="{257CC118-DE18-3144-E210-ABEEF9AA7EBD}"/>
+              </a:ext>
+            </a:extLst>
+          </p:cNvPr>
+          <p:cNvSpPr/>
+          <p:nvPr/>
+        </p:nvSpPr>
+        <p:spPr>
+          <a:xfrm>
+            <a:off x="5885178" y="4527482"/>
+            <a:ext cx="45719" cy="993919"/>
+          </a:xfrm>
+          <a:prstGeom prst="rect">
+            <a:avLst/>
+          </a:prstGeom>
+        </p:spPr>
+        <p:style>
+          <a:lnRef idx="2">
+            <a:schemeClr val="dk1">
+              <a:shade val="50000"/>
+            </a:schemeClr>
+          </a:lnRef>
+          <a:fillRef idx="1">
+            <a:schemeClr val="dk1"/>
+          </a:fillRef>
+          <a:effectRef idx="0">
+            <a:schemeClr val="dk1"/>
+          </a:effectRef>
+          <a:fontRef idx="minor">
+            <a:schemeClr val="lt1"/>
+          </a:fontRef>
+        </p:style>
+        <p:txBody>
+          <a:bodyPr rtlCol="0" anchor="ctr"/>
+          <a:lstStyle/>
+          <a:p>
+            <a:pPr algn="ctr"/>
+            <a:endParaRPr lang="en-IN"/>
+          </a:p>
+        </p:txBody>
+      </p:sp>
+      <p:sp>
+        <p:nvSpPr>
+          <p:cNvPr id="16" name="Rectangle 15">
+            <a:extLst>
+              <a:ext uri="{FF2B5EF4-FFF2-40B4-BE49-F238E27FC236}">
+                <a16:creationId xmlns:a16="http://schemas.microsoft.com/office/drawing/2014/main" id="{61294986-86E1-01EA-DB55-E252CEBEAA47}"/>
+              </a:ext>
+            </a:extLst>
+          </p:cNvPr>
+          <p:cNvSpPr/>
+          <p:nvPr/>
+        </p:nvSpPr>
+        <p:spPr>
+          <a:xfrm rot="5400000">
+            <a:off x="6931658" y="4452290"/>
+            <a:ext cx="45719" cy="2092963"/>
+          </a:xfrm>
+          <a:prstGeom prst="rect">
+            <a:avLst/>
+          </a:prstGeom>
+        </p:spPr>
+        <p:style>
+          <a:lnRef idx="2">
+            <a:schemeClr val="dk1">
+              <a:shade val="50000"/>
+            </a:schemeClr>
+          </a:lnRef>
+          <a:fillRef idx="1">
+            <a:schemeClr val="dk1"/>
+          </a:fillRef>
+          <a:effectRef idx="0">
+            <a:schemeClr val="dk1"/>
+          </a:effectRef>
+          <a:fontRef idx="minor">
+            <a:schemeClr val="lt1"/>
+          </a:fontRef>
+        </p:style>
+        <p:txBody>
+          <a:bodyPr rtlCol="0" anchor="ctr"/>
+          <a:lstStyle/>
+          <a:p>
+            <a:pPr algn="ctr"/>
+            <a:endParaRPr lang="en-IN"/>
+          </a:p>
+        </p:txBody>
+      </p:sp>
+      <p:sp>
+        <p:nvSpPr>
+          <p:cNvPr id="17" name="Oval 16">
+            <a:extLst>
+              <a:ext uri="{FF2B5EF4-FFF2-40B4-BE49-F238E27FC236}">
+                <a16:creationId xmlns:a16="http://schemas.microsoft.com/office/drawing/2014/main" id="{2E53F9D4-2D7C-A65A-D54E-2DB52D89AD5C}"/>
+              </a:ext>
+            </a:extLst>
+          </p:cNvPr>
+          <p:cNvSpPr/>
+          <p:nvPr/>
+        </p:nvSpPr>
+        <p:spPr>
+          <a:xfrm>
+            <a:off x="3765547" y="4422919"/>
+            <a:ext cx="195581" cy="209126"/>
+          </a:xfrm>
+          <a:prstGeom prst="ellipse">
+            <a:avLst/>
+          </a:prstGeom>
+          <a:solidFill>
+            <a:srgbClr val="92D050"/>
+          </a:solidFill>
+        </p:spPr>
+        <p:style>
+          <a:lnRef idx="2">
+            <a:schemeClr val="accent1">
+              <a:shade val="50000"/>
+            </a:schemeClr>
+          </a:lnRef>
+          <a:fillRef idx="1">
+            <a:schemeClr val="accent1"/>
+          </a:fillRef>
+          <a:effectRef idx="0">
+            <a:schemeClr val="accent1"/>
+          </a:effectRef>
+          <a:fontRef idx="minor">
+            <a:schemeClr val="lt1"/>
+          </a:fontRef>
+        </p:style>
+        <p:txBody>
+          <a:bodyPr rtlCol="0" anchor="ctr"/>
+          <a:lstStyle/>
+          <a:p>
+            <a:pPr algn="ctr"/>
+            <a:endParaRPr lang="en-IN"/>
+          </a:p>
+        </p:txBody>
+      </p:sp>
+      <p:sp>
+        <p:nvSpPr>
+          <p:cNvPr id="18" name="Oval 17">
+            <a:extLst>
+              <a:ext uri="{FF2B5EF4-FFF2-40B4-BE49-F238E27FC236}">
+                <a16:creationId xmlns:a16="http://schemas.microsoft.com/office/drawing/2014/main" id="{0C2F9108-5B59-2508-F929-81CC3C6EB6D1}"/>
+              </a:ext>
+            </a:extLst>
+          </p:cNvPr>
+          <p:cNvSpPr/>
+          <p:nvPr/>
+        </p:nvSpPr>
+        <p:spPr>
+          <a:xfrm>
+            <a:off x="5810245" y="5371349"/>
+            <a:ext cx="195581" cy="209126"/>
+          </a:xfrm>
+          <a:prstGeom prst="ellipse">
+            <a:avLst/>
+          </a:prstGeom>
+          <a:solidFill>
+            <a:srgbClr val="92D050"/>
+          </a:solidFill>
+        </p:spPr>
+        <p:style>
+          <a:lnRef idx="2">
+            <a:schemeClr val="accent1">
+              <a:shade val="50000"/>
+            </a:schemeClr>
+          </a:lnRef>
+          <a:fillRef idx="1">
+            <a:schemeClr val="accent1"/>
+          </a:fillRef>
+          <a:effectRef idx="0">
+            <a:schemeClr val="accent1"/>
+          </a:effectRef>
+          <a:fontRef idx="minor">
+            <a:schemeClr val="lt1"/>
+          </a:fontRef>
+        </p:style>
+        <p:txBody>
+          <a:bodyPr rtlCol="0" anchor="ctr"/>
+          <a:lstStyle/>
+          <a:p>
+            <a:pPr algn="ctr"/>
+            <a:endParaRPr lang="en-IN"/>
+          </a:p>
+        </p:txBody>
+      </p:sp>
+      <p:sp>
+        <p:nvSpPr>
+          <p:cNvPr id="19" name="Oval 18">
+            <a:extLst>
+              <a:ext uri="{FF2B5EF4-FFF2-40B4-BE49-F238E27FC236}">
+                <a16:creationId xmlns:a16="http://schemas.microsoft.com/office/drawing/2014/main" id="{48F98B14-4F12-C0BE-79FB-9B26D5D6F4BC}"/>
+              </a:ext>
+            </a:extLst>
+          </p:cNvPr>
+          <p:cNvSpPr/>
+          <p:nvPr/>
+        </p:nvSpPr>
+        <p:spPr>
+          <a:xfrm>
+            <a:off x="5810245" y="4445779"/>
+            <a:ext cx="195581" cy="209126"/>
+          </a:xfrm>
+          <a:prstGeom prst="ellipse">
+            <a:avLst/>
+          </a:prstGeom>
+          <a:solidFill>
+            <a:srgbClr val="92D050"/>
+          </a:solidFill>
+        </p:spPr>
+        <p:style>
+          <a:lnRef idx="2">
+            <a:schemeClr val="accent1">
+              <a:shade val="50000"/>
+            </a:schemeClr>
+          </a:lnRef>
+          <a:fillRef idx="1">
+            <a:schemeClr val="accent1"/>
+          </a:fillRef>
+          <a:effectRef idx="0">
+            <a:schemeClr val="accent1"/>
+          </a:effectRef>
+          <a:fontRef idx="minor">
+            <a:schemeClr val="lt1"/>
+          </a:fontRef>
+        </p:style>
+        <p:txBody>
+          <a:bodyPr rtlCol="0" anchor="ctr"/>
+          <a:lstStyle/>
+          <a:p>
+            <a:pPr algn="ctr"/>
+            <a:endParaRPr lang="en-IN"/>
+          </a:p>
+        </p:txBody>
+      </p:sp>
+      <p:sp>
+        <p:nvSpPr>
+          <p:cNvPr id="21" name="Oval 20">
+            <a:extLst>
+              <a:ext uri="{FF2B5EF4-FFF2-40B4-BE49-F238E27FC236}">
+                <a16:creationId xmlns:a16="http://schemas.microsoft.com/office/drawing/2014/main" id="{1CD55DB0-B73F-E386-10FD-B4B94348BC85}"/>
+              </a:ext>
+            </a:extLst>
+          </p:cNvPr>
+          <p:cNvSpPr/>
+          <p:nvPr/>
+        </p:nvSpPr>
+        <p:spPr>
+          <a:xfrm>
+            <a:off x="7650057" y="5394208"/>
+            <a:ext cx="195581" cy="209126"/>
+          </a:xfrm>
+          <a:prstGeom prst="ellipse">
+            <a:avLst/>
+          </a:prstGeom>
+          <a:solidFill>
+            <a:srgbClr val="92D050"/>
+          </a:solidFill>
+        </p:spPr>
+        <p:style>
+          <a:lnRef idx="2">
+            <a:schemeClr val="accent1">
+              <a:shade val="50000"/>
+            </a:schemeClr>
+          </a:lnRef>
+          <a:fillRef idx="1">
+            <a:schemeClr val="accent1"/>
+          </a:fillRef>
+          <a:effectRef idx="0">
+            <a:schemeClr val="accent1"/>
+          </a:effectRef>
+          <a:fontRef idx="minor">
+            <a:schemeClr val="lt1"/>
+          </a:fontRef>
+        </p:style>
+        <p:txBody>
+          <a:bodyPr rtlCol="0" anchor="ctr"/>
+          <a:lstStyle/>
+          <a:p>
+            <a:pPr algn="ctr"/>
+            <a:endParaRPr lang="en-IN"/>
+          </a:p>
+        </p:txBody>
+      </p:sp>
+      <p:sp>
+        <p:nvSpPr>
+          <p:cNvPr id="22" name="Oval 21">
+            <a:extLst>
+              <a:ext uri="{FF2B5EF4-FFF2-40B4-BE49-F238E27FC236}">
+                <a16:creationId xmlns:a16="http://schemas.microsoft.com/office/drawing/2014/main" id="{DB0B7910-FDEF-F581-1F47-DA180F985957}"/>
+              </a:ext>
+            </a:extLst>
+          </p:cNvPr>
+          <p:cNvSpPr/>
+          <p:nvPr/>
+        </p:nvSpPr>
+        <p:spPr>
+          <a:xfrm>
+            <a:off x="3765547" y="3736493"/>
+            <a:ext cx="195581" cy="209126"/>
+          </a:xfrm>
+          <a:prstGeom prst="ellipse">
+            <a:avLst/>
+          </a:prstGeom>
+          <a:solidFill>
+            <a:srgbClr val="92D050"/>
+          </a:solidFill>
+        </p:spPr>
+        <p:style>
+          <a:lnRef idx="2">
+            <a:schemeClr val="accent1">
+              <a:shade val="50000"/>
+            </a:schemeClr>
+          </a:lnRef>
+          <a:fillRef idx="1">
+            <a:schemeClr val="accent1"/>
+          </a:fillRef>
+          <a:effectRef idx="0">
+            <a:schemeClr val="accent1"/>
+          </a:effectRef>
+          <a:fontRef idx="minor">
+            <a:schemeClr val="lt1"/>
+          </a:fontRef>
+        </p:style>
+        <p:txBody>
+          <a:bodyPr rtlCol="0" anchor="ctr"/>
+          <a:lstStyle/>
+          <a:p>
+            <a:pPr algn="ctr"/>
+            <a:endParaRPr lang="en-IN"/>
+          </a:p>
+        </p:txBody>
+      </p:sp>
+      <p:sp>
+        <p:nvSpPr>
+          <p:cNvPr id="23" name="Oval 22">
+            <a:extLst>
+              <a:ext uri="{FF2B5EF4-FFF2-40B4-BE49-F238E27FC236}">
+                <a16:creationId xmlns:a16="http://schemas.microsoft.com/office/drawing/2014/main" id="{BD414C4B-89D1-EA08-2959-2CE8100F5CDA}"/>
+              </a:ext>
+            </a:extLst>
+          </p:cNvPr>
+          <p:cNvSpPr/>
+          <p:nvPr/>
+        </p:nvSpPr>
+        <p:spPr>
+          <a:xfrm>
+            <a:off x="5366600" y="3686245"/>
+            <a:ext cx="195581" cy="209126"/>
+          </a:xfrm>
+          <a:prstGeom prst="ellipse">
+            <a:avLst/>
+          </a:prstGeom>
+          <a:solidFill>
+            <a:srgbClr val="92D050"/>
+          </a:solidFill>
+        </p:spPr>
+        <p:style>
+          <a:lnRef idx="2">
+            <a:schemeClr val="accent1">
+              <a:shade val="50000"/>
+            </a:schemeClr>
+          </a:lnRef>
+          <a:fillRef idx="1">
+            <a:schemeClr val="accent1"/>
+          </a:fillRef>
+          <a:effectRef idx="0">
+            <a:schemeClr val="accent1"/>
+          </a:effectRef>
+          <a:fontRef idx="minor">
+            <a:schemeClr val="lt1"/>
+          </a:fontRef>
+        </p:style>
+        <p:txBody>
+          <a:bodyPr rtlCol="0" anchor="ctr"/>
+          <a:lstStyle/>
+          <a:p>
+            <a:pPr algn="ctr"/>
+            <a:endParaRPr lang="en-IN"/>
+          </a:p>
+        </p:txBody>
+      </p:sp>
+      <p:sp>
+        <p:nvSpPr>
+          <p:cNvPr id="24" name="Oval 23">
+            <a:extLst>
+              <a:ext uri="{FF2B5EF4-FFF2-40B4-BE49-F238E27FC236}">
+                <a16:creationId xmlns:a16="http://schemas.microsoft.com/office/drawing/2014/main" id="{D25D9DBC-D684-EFDB-AB52-69EB7BE86C95}"/>
+              </a:ext>
+            </a:extLst>
+          </p:cNvPr>
+          <p:cNvSpPr/>
+          <p:nvPr/>
+        </p:nvSpPr>
+        <p:spPr>
+          <a:xfrm>
+            <a:off x="5366600" y="3190613"/>
+            <a:ext cx="195581" cy="209126"/>
+          </a:xfrm>
+          <a:prstGeom prst="ellipse">
+            <a:avLst/>
+          </a:prstGeom>
+          <a:solidFill>
+            <a:srgbClr val="92D050"/>
+          </a:solidFill>
+        </p:spPr>
+        <p:style>
+          <a:lnRef idx="2">
+            <a:schemeClr val="accent1">
+              <a:shade val="50000"/>
+            </a:schemeClr>
+          </a:lnRef>
+          <a:fillRef idx="1">
+            <a:schemeClr val="accent1"/>
+          </a:fillRef>
+          <a:effectRef idx="0">
+            <a:schemeClr val="accent1"/>
+          </a:effectRef>
+          <a:fontRef idx="minor">
+            <a:schemeClr val="lt1"/>
+          </a:fontRef>
+        </p:style>
+        <p:txBody>
+          <a:bodyPr rtlCol="0" anchor="ctr"/>
+          <a:lstStyle/>
+          <a:p>
+            <a:pPr algn="ctr"/>
+            <a:endParaRPr lang="en-IN"/>
+          </a:p>
+        </p:txBody>
+      </p:sp>
+      <p:sp>
+        <p:nvSpPr>
+          <p:cNvPr id="25" name="Oval 24">
+            <a:extLst>
+              <a:ext uri="{FF2B5EF4-FFF2-40B4-BE49-F238E27FC236}">
+                <a16:creationId xmlns:a16="http://schemas.microsoft.com/office/drawing/2014/main" id="{01EFA0D3-DEF1-3BE2-63CA-717E5113D05D}"/>
+              </a:ext>
+            </a:extLst>
+          </p:cNvPr>
+          <p:cNvSpPr/>
+          <p:nvPr/>
+        </p:nvSpPr>
+        <p:spPr>
+          <a:xfrm>
+            <a:off x="7357109" y="3728498"/>
+            <a:ext cx="195581" cy="209126"/>
+          </a:xfrm>
+          <a:prstGeom prst="ellipse">
+            <a:avLst/>
+          </a:prstGeom>
+          <a:solidFill>
+            <a:srgbClr val="92D050"/>
+          </a:solidFill>
+        </p:spPr>
+        <p:style>
+          <a:lnRef idx="2">
+            <a:schemeClr val="accent1">
+              <a:shade val="50000"/>
+            </a:schemeClr>
+          </a:lnRef>
+          <a:fillRef idx="1">
+            <a:schemeClr val="accent1"/>
+          </a:fillRef>
+          <a:effectRef idx="0">
+            <a:schemeClr val="accent1"/>
+          </a:effectRef>
+          <a:fontRef idx="minor">
+            <a:schemeClr val="lt1"/>
+          </a:fontRef>
+        </p:style>
+        <p:txBody>
+          <a:bodyPr rtlCol="0" anchor="ctr"/>
+          <a:lstStyle/>
+          <a:p>
+            <a:pPr algn="ctr"/>
+            <a:endParaRPr lang="en-IN"/>
+          </a:p>
+        </p:txBody>
+      </p:sp>
+      <p:sp>
+        <p:nvSpPr>
+          <p:cNvPr id="26" name="Oval 25">
+            <a:extLst>
+              <a:ext uri="{FF2B5EF4-FFF2-40B4-BE49-F238E27FC236}">
+                <a16:creationId xmlns:a16="http://schemas.microsoft.com/office/drawing/2014/main" id="{75376C3E-8659-7926-3B05-9C43E637D3EE}"/>
+              </a:ext>
+            </a:extLst>
+          </p:cNvPr>
+          <p:cNvSpPr/>
+          <p:nvPr/>
+        </p:nvSpPr>
+        <p:spPr>
+          <a:xfrm>
+            <a:off x="6891017" y="3180276"/>
+            <a:ext cx="195581" cy="209126"/>
+          </a:xfrm>
+          <a:prstGeom prst="ellipse">
+            <a:avLst/>
+          </a:prstGeom>
+          <a:solidFill>
+            <a:srgbClr val="92D050"/>
+          </a:solidFill>
+        </p:spPr>
+        <p:style>
+          <a:lnRef idx="2">
+            <a:schemeClr val="accent1">
+              <a:shade val="50000"/>
+            </a:schemeClr>
+          </a:lnRef>
+          <a:fillRef idx="1">
+            <a:schemeClr val="accent1"/>
+          </a:fillRef>
+          <a:effectRef idx="0">
+            <a:schemeClr val="accent1"/>
+          </a:effectRef>
+          <a:fontRef idx="minor">
+            <a:schemeClr val="lt1"/>
+          </a:fontRef>
+        </p:style>
+        <p:txBody>
+          <a:bodyPr rtlCol="0" anchor="ctr"/>
+          <a:lstStyle/>
+          <a:p>
+            <a:pPr algn="ctr"/>
+            <a:endParaRPr lang="en-IN"/>
+          </a:p>
+        </p:txBody>
+      </p:sp>
+      <p:sp>
+        <p:nvSpPr>
+          <p:cNvPr id="27" name="Oval 26">
+            <a:extLst>
+              <a:ext uri="{FF2B5EF4-FFF2-40B4-BE49-F238E27FC236}">
+                <a16:creationId xmlns:a16="http://schemas.microsoft.com/office/drawing/2014/main" id="{4BDC9FA0-AC80-0AF2-7B8B-1EB5C907118D}"/>
+              </a:ext>
+            </a:extLst>
+          </p:cNvPr>
+          <p:cNvSpPr/>
+          <p:nvPr/>
+        </p:nvSpPr>
+        <p:spPr>
+          <a:xfrm>
+            <a:off x="8089054" y="3173443"/>
+            <a:ext cx="195581" cy="209126"/>
+          </a:xfrm>
+          <a:prstGeom prst="ellipse">
+            <a:avLst/>
+          </a:prstGeom>
+          <a:solidFill>
+            <a:srgbClr val="92D050"/>
+          </a:solidFill>
+        </p:spPr>
+        <p:style>
+          <a:lnRef idx="2">
+            <a:schemeClr val="accent1">
+              <a:shade val="50000"/>
+            </a:schemeClr>
+          </a:lnRef>
+          <a:fillRef idx="1">
+            <a:schemeClr val="accent1"/>
+          </a:fillRef>
+          <a:effectRef idx="0">
+            <a:schemeClr val="accent1"/>
+          </a:effectRef>
+          <a:fontRef idx="minor">
+            <a:schemeClr val="lt1"/>
+          </a:fontRef>
+        </p:style>
+        <p:txBody>
+          <a:bodyPr rtlCol="0" anchor="ctr"/>
+          <a:lstStyle/>
+          <a:p>
+            <a:pPr algn="ctr"/>
+            <a:endParaRPr lang="en-IN"/>
+          </a:p>
+        </p:txBody>
+      </p:sp>
+      <p:sp>
+        <p:nvSpPr>
+          <p:cNvPr id="28" name="TextBox 27">
+            <a:extLst>
+              <a:ext uri="{FF2B5EF4-FFF2-40B4-BE49-F238E27FC236}">
+                <a16:creationId xmlns:a16="http://schemas.microsoft.com/office/drawing/2014/main" id="{2AA10021-6766-78BA-8324-8F70A1C80871}"/>
+              </a:ext>
+            </a:extLst>
+          </p:cNvPr>
+          <p:cNvSpPr txBox="1"/>
+          <p:nvPr/>
+        </p:nvSpPr>
+        <p:spPr>
+          <a:xfrm>
+            <a:off x="8677270" y="4388982"/>
+            <a:ext cx="1644655" cy="276999"/>
+          </a:xfrm>
+          <a:prstGeom prst="rect">
+            <a:avLst/>
+          </a:prstGeom>
+          <a:noFill/>
+        </p:spPr>
+        <p:txBody>
+          <a:bodyPr wrap="square" rtlCol="0">
+            <a:spAutoFit/>
+          </a:bodyPr>
+          <a:lstStyle/>
+          <a:p>
+            <a:r>
+              <a:rPr lang="en-IN" sz="1200" dirty="0"/>
+              <a:t>main branch</a:t>
+            </a:r>
+          </a:p>
+        </p:txBody>
+      </p:sp>
+      <p:sp>
+        <p:nvSpPr>
+          <p:cNvPr id="29" name="TextBox 28">
+            <a:extLst>
+              <a:ext uri="{FF2B5EF4-FFF2-40B4-BE49-F238E27FC236}">
+                <a16:creationId xmlns:a16="http://schemas.microsoft.com/office/drawing/2014/main" id="{A50C054C-BE26-A3FB-A1CB-544577B4BB83}"/>
+              </a:ext>
+            </a:extLst>
+          </p:cNvPr>
+          <p:cNvSpPr txBox="1"/>
+          <p:nvPr/>
+        </p:nvSpPr>
+        <p:spPr>
+          <a:xfrm>
+            <a:off x="8023857" y="5346443"/>
+            <a:ext cx="1644655" cy="276999"/>
+          </a:xfrm>
+          <a:prstGeom prst="rect">
+            <a:avLst/>
+          </a:prstGeom>
+          <a:noFill/>
+        </p:spPr>
+        <p:txBody>
+          <a:bodyPr wrap="square" rtlCol="0">
+            <a:spAutoFit/>
+          </a:bodyPr>
+          <a:lstStyle/>
+          <a:p>
+            <a:r>
+              <a:rPr lang="en-IN" sz="1200" dirty="0"/>
+              <a:t>branch z</a:t>
+            </a:r>
+          </a:p>
+        </p:txBody>
+      </p:sp>
+      <p:sp>
+        <p:nvSpPr>
+          <p:cNvPr id="30" name="TextBox 29">
+            <a:extLst>
+              <a:ext uri="{FF2B5EF4-FFF2-40B4-BE49-F238E27FC236}">
+                <a16:creationId xmlns:a16="http://schemas.microsoft.com/office/drawing/2014/main" id="{7AD73046-CACF-58FF-0F1C-58679B604148}"/>
+              </a:ext>
+            </a:extLst>
+          </p:cNvPr>
+          <p:cNvSpPr txBox="1"/>
+          <p:nvPr/>
+        </p:nvSpPr>
+        <p:spPr>
+          <a:xfrm>
+            <a:off x="7894319" y="3678621"/>
+            <a:ext cx="1644655" cy="276999"/>
+          </a:xfrm>
+          <a:prstGeom prst="rect">
+            <a:avLst/>
+          </a:prstGeom>
+          <a:noFill/>
+        </p:spPr>
+        <p:txBody>
+          <a:bodyPr wrap="square" rtlCol="0">
+            <a:spAutoFit/>
+          </a:bodyPr>
+          <a:lstStyle/>
+          <a:p>
+            <a:r>
+              <a:rPr lang="en-IN" sz="1200" dirty="0"/>
+              <a:t>branch x</a:t>
+            </a:r>
+          </a:p>
+        </p:txBody>
+      </p:sp>
+      <p:sp>
+        <p:nvSpPr>
+          <p:cNvPr id="31" name="TextBox 30">
+            <a:extLst>
+              <a:ext uri="{FF2B5EF4-FFF2-40B4-BE49-F238E27FC236}">
+                <a16:creationId xmlns:a16="http://schemas.microsoft.com/office/drawing/2014/main" id="{A226379F-F8A9-DA59-C862-10471FF2B527}"/>
+              </a:ext>
+            </a:extLst>
+          </p:cNvPr>
+          <p:cNvSpPr txBox="1"/>
+          <p:nvPr/>
+        </p:nvSpPr>
+        <p:spPr>
+          <a:xfrm>
+            <a:off x="8343479" y="3134821"/>
+            <a:ext cx="1644655" cy="276999"/>
+          </a:xfrm>
+          <a:prstGeom prst="rect">
+            <a:avLst/>
+          </a:prstGeom>
+          <a:noFill/>
+        </p:spPr>
+        <p:txBody>
+          <a:bodyPr wrap="square" rtlCol="0">
+            <a:spAutoFit/>
+          </a:bodyPr>
+          <a:lstStyle/>
+          <a:p>
+            <a:r>
+              <a:rPr lang="en-IN" sz="1200" dirty="0"/>
+              <a:t>branch y</a:t>
+            </a:r>
+          </a:p>
+        </p:txBody>
+      </p:sp>
+      <p:sp>
+        <p:nvSpPr>
+          <p:cNvPr id="32" name="Arc 31">
+            <a:extLst>
+              <a:ext uri="{FF2B5EF4-FFF2-40B4-BE49-F238E27FC236}">
+                <a16:creationId xmlns:a16="http://schemas.microsoft.com/office/drawing/2014/main" id="{B8BC84BC-7530-3835-0853-75147A2BA427}"/>
+              </a:ext>
+            </a:extLst>
+          </p:cNvPr>
+          <p:cNvSpPr/>
+          <p:nvPr/>
+        </p:nvSpPr>
+        <p:spPr>
+          <a:xfrm>
+            <a:off x="7846039" y="3313716"/>
+            <a:ext cx="934305" cy="1236626"/>
+          </a:xfrm>
+          <a:prstGeom prst="arc">
+            <a:avLst>
+              <a:gd name="adj1" fmla="val 16200000"/>
+              <a:gd name="adj2" fmla="val 4394639"/>
+            </a:avLst>
+          </a:prstGeom>
+        </p:spPr>
+        <p:style>
+          <a:lnRef idx="1">
+            <a:schemeClr val="accent1"/>
+          </a:lnRef>
+          <a:fillRef idx="0">
+            <a:schemeClr val="accent1"/>
+          </a:fillRef>
+          <a:effectRef idx="0">
+            <a:schemeClr val="accent1"/>
+          </a:effectRef>
+          <a:fontRef idx="minor">
+            <a:schemeClr val="tx1"/>
+          </a:fontRef>
+        </p:style>
+        <p:txBody>
+          <a:bodyPr rtlCol="0" anchor="ctr"/>
+          <a:lstStyle/>
+          <a:p>
+            <a:pPr algn="ctr"/>
+            <a:endParaRPr lang="en-IN"/>
+          </a:p>
+        </p:txBody>
+      </p:sp>
+      <p:sp>
+        <p:nvSpPr>
+          <p:cNvPr id="33" name="TextBox 32">
+            <a:extLst>
+              <a:ext uri="{FF2B5EF4-FFF2-40B4-BE49-F238E27FC236}">
+                <a16:creationId xmlns:a16="http://schemas.microsoft.com/office/drawing/2014/main" id="{952B6EC8-C82F-431A-F4D0-CAF361F23802}"/>
+              </a:ext>
+            </a:extLst>
+          </p:cNvPr>
+          <p:cNvSpPr txBox="1"/>
+          <p:nvPr/>
+        </p:nvSpPr>
+        <p:spPr>
+          <a:xfrm>
+            <a:off x="8765938" y="3722975"/>
+            <a:ext cx="1644655" cy="276999"/>
+          </a:xfrm>
+          <a:prstGeom prst="rect">
+            <a:avLst/>
+          </a:prstGeom>
+          <a:noFill/>
+        </p:spPr>
+        <p:txBody>
+          <a:bodyPr wrap="square" rtlCol="0">
+            <a:spAutoFit/>
+          </a:bodyPr>
+          <a:lstStyle/>
+          <a:p>
+            <a:r>
+              <a:rPr lang="en-IN" sz="1200" dirty="0">
+                <a:solidFill>
+                  <a:srgbClr val="FFC000"/>
+                </a:solidFill>
+              </a:rPr>
+              <a:t>y </a:t>
+            </a:r>
+            <a:r>
+              <a:rPr lang="en-IN" sz="1200" dirty="0" err="1">
+                <a:solidFill>
+                  <a:srgbClr val="FFC000"/>
+                </a:solidFill>
+              </a:rPr>
+              <a:t>marged</a:t>
+            </a:r>
+            <a:r>
+              <a:rPr lang="en-IN" sz="1200" dirty="0">
+                <a:solidFill>
+                  <a:srgbClr val="FFC000"/>
+                </a:solidFill>
+              </a:rPr>
+              <a:t> with main</a:t>
+            </a:r>
+          </a:p>
+        </p:txBody>
+      </p:sp>
+    </p:spTree>
+    <p:extLst>
+      <p:ext uri="{BB962C8B-B14F-4D97-AF65-F5344CB8AC3E}">
+        <p14:creationId xmlns:p14="http://schemas.microsoft.com/office/powerpoint/2010/main" val="4029772732"/>
+      </p:ext>
+    </p:extLst>
+  </p:cSld>
+  <p:clrMapOvr>
+    <a:masterClrMapping/>
+  </p:clrMapOvr>
+</p:sld>
+</file>
+
+<file path=ppt/slides/slide26.xml><?xml version="1.0" encoding="utf-8"?>
+<p:sld xmlns:a="http://schemas.openxmlformats.org/drawingml/2006/main" xmlns:r="http://schemas.openxmlformats.org/officeDocument/2006/relationships" xmlns:p="http://schemas.openxmlformats.org/presentationml/2006/main">
+  <p:cSld>
+    <p:spTree>
+      <p:nvGrpSpPr>
+        <p:cNvPr id="1" name=""/>
+        <p:cNvGrpSpPr/>
+        <p:nvPr/>
+      </p:nvGrpSpPr>
+      <p:grpSpPr>
+        <a:xfrm>
+          <a:off x="0" y="0"/>
+          <a:ext cx="0" cy="0"/>
+          <a:chOff x="0" y="0"/>
+          <a:chExt cx="0" cy="0"/>
+        </a:xfrm>
+      </p:grpSpPr>
+      <p:sp>
+        <p:nvSpPr>
+          <p:cNvPr id="2" name="Title 1">
+            <a:extLst>
+              <a:ext uri="{FF2B5EF4-FFF2-40B4-BE49-F238E27FC236}">
+                <a16:creationId xmlns:a16="http://schemas.microsoft.com/office/drawing/2014/main" id="{C06A1BB5-F51F-7BF2-4DA9-3B6846AE7001}"/>
+              </a:ext>
+            </a:extLst>
+          </p:cNvPr>
+          <p:cNvSpPr>
+            <a:spLocks noGrp="1"/>
+          </p:cNvSpPr>
+          <p:nvPr>
+            <p:ph type="title"/>
+          </p:nvPr>
+        </p:nvSpPr>
+        <p:spPr/>
+        <p:txBody>
+          <a:bodyPr/>
+          <a:lstStyle/>
+          <a:p>
+            <a:r>
+              <a:rPr lang="en-IN" dirty="0"/>
+              <a:t>Create a Branch</a:t>
+            </a:r>
+          </a:p>
+        </p:txBody>
+      </p:sp>
+      <p:sp>
+        <p:nvSpPr>
+          <p:cNvPr id="3" name="TextBox 2">
+            <a:extLst>
+              <a:ext uri="{FF2B5EF4-FFF2-40B4-BE49-F238E27FC236}">
+                <a16:creationId xmlns:a16="http://schemas.microsoft.com/office/drawing/2014/main" id="{0ED9B114-2B11-6694-3C72-BE23C2E704FA}"/>
+              </a:ext>
+            </a:extLst>
+          </p:cNvPr>
+          <p:cNvSpPr txBox="1"/>
+          <p:nvPr/>
+        </p:nvSpPr>
+        <p:spPr>
+          <a:xfrm>
+            <a:off x="943276" y="2531444"/>
+            <a:ext cx="8547233" cy="1415772"/>
+          </a:xfrm>
+          <a:prstGeom prst="rect">
+            <a:avLst/>
+          </a:prstGeom>
+          <a:noFill/>
+        </p:spPr>
+        <p:txBody>
+          <a:bodyPr wrap="square" rtlCol="0">
+            <a:spAutoFit/>
+          </a:bodyPr>
+          <a:lstStyle/>
+          <a:p>
+            <a:r>
+              <a:rPr lang="en-IN" dirty="0">
+                <a:solidFill>
+                  <a:schemeClr val="bg1"/>
+                </a:solidFill>
+              </a:rPr>
+              <a:t>git checkout –b “new branch name” </a:t>
+            </a:r>
+            <a:r>
+              <a:rPr lang="en-IN" dirty="0"/>
+              <a:t>(Create a branch with given name)</a:t>
+            </a:r>
+          </a:p>
+          <a:p>
+            <a:r>
+              <a:rPr lang="en-IN" dirty="0">
+                <a:solidFill>
+                  <a:schemeClr val="bg1"/>
+                </a:solidFill>
+              </a:rPr>
+              <a:t>git branch</a:t>
+            </a:r>
+            <a:r>
+              <a:rPr lang="en-IN" dirty="0"/>
+              <a:t> (See all available branches)</a:t>
+            </a:r>
+          </a:p>
+          <a:p>
+            <a:r>
+              <a:rPr lang="en-IN" dirty="0">
+                <a:solidFill>
+                  <a:schemeClr val="bg1"/>
+                </a:solidFill>
+              </a:rPr>
+              <a:t>git checkout “Branch name” </a:t>
+            </a:r>
+            <a:r>
+              <a:rPr lang="en-IN" dirty="0"/>
+              <a:t>(Go to any branch)</a:t>
+            </a:r>
+          </a:p>
+          <a:p>
+            <a:endParaRPr lang="en-IN" dirty="0"/>
+          </a:p>
+          <a:p>
+            <a:r>
+              <a:rPr lang="en-IN" sz="1400" dirty="0">
+                <a:solidFill>
+                  <a:srgbClr val="FFFF00"/>
+                </a:solidFill>
+              </a:rPr>
+              <a:t>**when you will switch branches your folders and files will change in memory w.r.t your current branch</a:t>
+            </a:r>
+          </a:p>
+        </p:txBody>
+      </p:sp>
+      <p:pic>
+        <p:nvPicPr>
+          <p:cNvPr id="5" name="Picture 4">
+            <a:extLst>
+              <a:ext uri="{FF2B5EF4-FFF2-40B4-BE49-F238E27FC236}">
+                <a16:creationId xmlns:a16="http://schemas.microsoft.com/office/drawing/2014/main" id="{8C64C1A0-19BA-B929-327A-9C9436570A07}"/>
+              </a:ext>
+            </a:extLst>
+          </p:cNvPr>
+          <p:cNvPicPr>
+            <a:picLocks noChangeAspect="1"/>
+          </p:cNvPicPr>
+          <p:nvPr/>
+        </p:nvPicPr>
+        <p:blipFill>
+          <a:blip r:embed="rId2"/>
+          <a:stretch>
+            <a:fillRect/>
+          </a:stretch>
+        </p:blipFill>
+        <p:spPr>
+          <a:xfrm>
+            <a:off x="7584707" y="4036391"/>
+            <a:ext cx="4607293" cy="2821609"/>
+          </a:xfrm>
+          <a:prstGeom prst="rect">
+            <a:avLst/>
+          </a:prstGeom>
+        </p:spPr>
+      </p:pic>
+    </p:spTree>
+    <p:extLst>
+      <p:ext uri="{BB962C8B-B14F-4D97-AF65-F5344CB8AC3E}">
+        <p14:creationId xmlns:p14="http://schemas.microsoft.com/office/powerpoint/2010/main" val="1320004947"/>
       </p:ext>
     </p:extLst>
   </p:cSld>

--- a/GitPresent.pptx
+++ b/GitPresent.pptx
@@ -423,7 +423,7 @@
           <a:p>
             <a:fld id="{4F185097-68E7-4ADC-B980-7CED33B7B48A}" type="datetimeFigureOut">
               <a:rPr lang="en-IN" smtClean="0"/>
-              <a:t>31-01-2023</a:t>
+              <a:t>01-02-2023</a:t>
             </a:fld>
             <a:endParaRPr lang="en-IN"/>
           </a:p>
@@ -837,7 +837,7 @@
           <a:p>
             <a:fld id="{4F185097-68E7-4ADC-B980-7CED33B7B48A}" type="datetimeFigureOut">
               <a:rPr lang="en-IN" smtClean="0"/>
-              <a:t>31-01-2023</a:t>
+              <a:t>01-02-2023</a:t>
             </a:fld>
             <a:endParaRPr lang="en-IN"/>
           </a:p>
@@ -1173,7 +1173,7 @@
           <a:p>
             <a:fld id="{4F185097-68E7-4ADC-B980-7CED33B7B48A}" type="datetimeFigureOut">
               <a:rPr lang="en-IN" smtClean="0"/>
-              <a:t>31-01-2023</a:t>
+              <a:t>01-02-2023</a:t>
             </a:fld>
             <a:endParaRPr lang="en-IN"/>
           </a:p>
@@ -1578,7 +1578,7 @@
           <a:p>
             <a:fld id="{4F185097-68E7-4ADC-B980-7CED33B7B48A}" type="datetimeFigureOut">
               <a:rPr lang="en-IN" smtClean="0"/>
-              <a:t>31-01-2023</a:t>
+              <a:t>01-02-2023</a:t>
             </a:fld>
             <a:endParaRPr lang="en-IN"/>
           </a:p>
@@ -2146,7 +2146,7 @@
           <a:p>
             <a:fld id="{4F185097-68E7-4ADC-B980-7CED33B7B48A}" type="datetimeFigureOut">
               <a:rPr lang="en-IN" smtClean="0"/>
-              <a:t>31-01-2023</a:t>
+              <a:t>01-02-2023</a:t>
             </a:fld>
             <a:endParaRPr lang="en-IN"/>
           </a:p>
@@ -2827,7 +2827,7 @@
           <a:p>
             <a:fld id="{4F185097-68E7-4ADC-B980-7CED33B7B48A}" type="datetimeFigureOut">
               <a:rPr lang="en-IN" smtClean="0"/>
-              <a:t>31-01-2023</a:t>
+              <a:t>01-02-2023</a:t>
             </a:fld>
             <a:endParaRPr lang="en-IN"/>
           </a:p>
@@ -3740,7 +3740,7 @@
           <a:p>
             <a:fld id="{4F185097-68E7-4ADC-B980-7CED33B7B48A}" type="datetimeFigureOut">
               <a:rPr lang="en-IN" smtClean="0"/>
-              <a:t>31-01-2023</a:t>
+              <a:t>01-02-2023</a:t>
             </a:fld>
             <a:endParaRPr lang="en-IN"/>
           </a:p>
@@ -4053,7 +4053,7 @@
           <a:p>
             <a:fld id="{4F185097-68E7-4ADC-B980-7CED33B7B48A}" type="datetimeFigureOut">
               <a:rPr lang="en-IN" smtClean="0"/>
-              <a:t>31-01-2023</a:t>
+              <a:t>01-02-2023</a:t>
             </a:fld>
             <a:endParaRPr lang="en-IN"/>
           </a:p>
@@ -4317,7 +4317,7 @@
           <a:p>
             <a:fld id="{4F185097-68E7-4ADC-B980-7CED33B7B48A}" type="datetimeFigureOut">
               <a:rPr lang="en-IN" smtClean="0"/>
-              <a:t>31-01-2023</a:t>
+              <a:t>01-02-2023</a:t>
             </a:fld>
             <a:endParaRPr lang="en-IN"/>
           </a:p>
@@ -4640,7 +4640,7 @@
           <a:p>
             <a:fld id="{4F185097-68E7-4ADC-B980-7CED33B7B48A}" type="datetimeFigureOut">
               <a:rPr lang="en-IN" smtClean="0"/>
-              <a:t>31-01-2023</a:t>
+              <a:t>01-02-2023</a:t>
             </a:fld>
             <a:endParaRPr lang="en-IN"/>
           </a:p>
@@ -5029,7 +5029,7 @@
           <a:p>
             <a:fld id="{4F185097-68E7-4ADC-B980-7CED33B7B48A}" type="datetimeFigureOut">
               <a:rPr lang="en-IN" smtClean="0"/>
-              <a:t>31-01-2023</a:t>
+              <a:t>01-02-2023</a:t>
             </a:fld>
             <a:endParaRPr lang="en-IN"/>
           </a:p>
@@ -5405,7 +5405,7 @@
           <a:p>
             <a:fld id="{4F185097-68E7-4ADC-B980-7CED33B7B48A}" type="datetimeFigureOut">
               <a:rPr lang="en-IN" smtClean="0"/>
-              <a:t>31-01-2023</a:t>
+              <a:t>01-02-2023</a:t>
             </a:fld>
             <a:endParaRPr lang="en-IN"/>
           </a:p>
@@ -5911,7 +5911,7 @@
           <a:p>
             <a:fld id="{4F185097-68E7-4ADC-B980-7CED33B7B48A}" type="datetimeFigureOut">
               <a:rPr lang="en-IN" smtClean="0"/>
-              <a:t>31-01-2023</a:t>
+              <a:t>01-02-2023</a:t>
             </a:fld>
             <a:endParaRPr lang="en-IN"/>
           </a:p>
@@ -6168,7 +6168,7 @@
           <a:p>
             <a:fld id="{4F185097-68E7-4ADC-B980-7CED33B7B48A}" type="datetimeFigureOut">
               <a:rPr lang="en-IN" smtClean="0"/>
-              <a:t>31-01-2023</a:t>
+              <a:t>01-02-2023</a:t>
             </a:fld>
             <a:endParaRPr lang="en-IN"/>
           </a:p>
@@ -6331,7 +6331,7 @@
           <a:p>
             <a:fld id="{4F185097-68E7-4ADC-B980-7CED33B7B48A}" type="datetimeFigureOut">
               <a:rPr lang="en-IN" smtClean="0"/>
-              <a:t>31-01-2023</a:t>
+              <a:t>01-02-2023</a:t>
             </a:fld>
             <a:endParaRPr lang="en-IN"/>
           </a:p>
@@ -6721,7 +6721,7 @@
           <a:p>
             <a:fld id="{4F185097-68E7-4ADC-B980-7CED33B7B48A}" type="datetimeFigureOut">
               <a:rPr lang="en-IN" smtClean="0"/>
-              <a:t>31-01-2023</a:t>
+              <a:t>01-02-2023</a:t>
             </a:fld>
             <a:endParaRPr lang="en-IN"/>
           </a:p>
@@ -7130,7 +7130,7 @@
           <a:p>
             <a:fld id="{4F185097-68E7-4ADC-B980-7CED33B7B48A}" type="datetimeFigureOut">
               <a:rPr lang="en-IN" smtClean="0"/>
-              <a:t>31-01-2023</a:t>
+              <a:t>01-02-2023</a:t>
             </a:fld>
             <a:endParaRPr lang="en-IN"/>
           </a:p>
@@ -7374,7 +7374,7 @@
           <a:p>
             <a:fld id="{4F185097-68E7-4ADC-B980-7CED33B7B48A}" type="datetimeFigureOut">
               <a:rPr lang="en-IN" smtClean="0"/>
-              <a:t>31-01-2023</a:t>
+              <a:t>01-02-2023</a:t>
             </a:fld>
             <a:endParaRPr lang="en-IN"/>
           </a:p>
@@ -7413,7 +7413,7 @@
             </a:lvl1pPr>
           </a:lstStyle>
           <a:p>
-            <a:endParaRPr lang="en-IN"/>
+            <a:endParaRPr lang="en-IN" dirty="0"/>
           </a:p>
         </p:txBody>
       </p:sp>
@@ -7920,6 +7920,51 @@
           </a:prstGeom>
         </p:spPr>
       </p:pic>
+      <p:sp>
+        <p:nvSpPr>
+          <p:cNvPr id="4" name="TextBox 3">
+            <a:extLst>
+              <a:ext uri="{FF2B5EF4-FFF2-40B4-BE49-F238E27FC236}">
+                <a16:creationId xmlns:a16="http://schemas.microsoft.com/office/drawing/2014/main" id="{73C63B10-31CD-010D-68B7-BFCBE404A600}"/>
+              </a:ext>
+            </a:extLst>
+          </p:cNvPr>
+          <p:cNvSpPr txBox="1"/>
+          <p:nvPr/>
+        </p:nvSpPr>
+        <p:spPr>
+          <a:xfrm>
+            <a:off x="11056219" y="0"/>
+            <a:ext cx="1155031" cy="253916"/>
+          </a:xfrm>
+          <a:prstGeom prst="rect">
+            <a:avLst/>
+          </a:prstGeom>
+          <a:noFill/>
+        </p:spPr>
+        <p:txBody>
+          <a:bodyPr wrap="square" rtlCol="0">
+            <a:spAutoFit/>
+          </a:bodyPr>
+          <a:lstStyle/>
+          <a:p>
+            <a:r>
+              <a:rPr lang="en-IN" sz="1050" dirty="0"/>
+              <a:t>~~</a:t>
+            </a:r>
+            <a:r>
+              <a:rPr lang="en-IN" sz="1050" dirty="0">
+                <a:latin typeface="Arial Rounded MT Bold" panose="020F0704030504030204" pitchFamily="34" charset="0"/>
+              </a:rPr>
+              <a:t>Pranoy</a:t>
+            </a:r>
+            <a:r>
+              <a:rPr lang="en-IN" sz="1050" dirty="0"/>
+              <a:t> Patra</a:t>
+            </a:r>
+          </a:p>
+        </p:txBody>
+      </p:sp>
     </p:spTree>
     <p:extLst>
       <p:ext uri="{BB962C8B-B14F-4D97-AF65-F5344CB8AC3E}">
@@ -8695,6 +8740,51 @@
           </a:p>
         </p:txBody>
       </p:sp>
+      <p:sp>
+        <p:nvSpPr>
+          <p:cNvPr id="9" name="TextBox 8">
+            <a:extLst>
+              <a:ext uri="{FF2B5EF4-FFF2-40B4-BE49-F238E27FC236}">
+                <a16:creationId xmlns:a16="http://schemas.microsoft.com/office/drawing/2014/main" id="{CEA9B7CD-5BD8-1719-4A24-6B0CA3C54388}"/>
+              </a:ext>
+            </a:extLst>
+          </p:cNvPr>
+          <p:cNvSpPr txBox="1"/>
+          <p:nvPr/>
+        </p:nvSpPr>
+        <p:spPr>
+          <a:xfrm>
+            <a:off x="11046594" y="0"/>
+            <a:ext cx="1155031" cy="253916"/>
+          </a:xfrm>
+          <a:prstGeom prst="rect">
+            <a:avLst/>
+          </a:prstGeom>
+          <a:noFill/>
+        </p:spPr>
+        <p:txBody>
+          <a:bodyPr wrap="square" rtlCol="0">
+            <a:spAutoFit/>
+          </a:bodyPr>
+          <a:lstStyle/>
+          <a:p>
+            <a:r>
+              <a:rPr lang="en-IN" sz="1050" dirty="0"/>
+              <a:t>~~</a:t>
+            </a:r>
+            <a:r>
+              <a:rPr lang="en-IN" sz="1050" dirty="0">
+                <a:latin typeface="Arial Rounded MT Bold" panose="020F0704030504030204" pitchFamily="34" charset="0"/>
+              </a:rPr>
+              <a:t>Pranoy</a:t>
+            </a:r>
+            <a:r>
+              <a:rPr lang="en-IN" sz="1050" dirty="0"/>
+              <a:t> Patra</a:t>
+            </a:r>
+          </a:p>
+        </p:txBody>
+      </p:sp>
     </p:spTree>
     <p:extLst>
       <p:ext uri="{BB962C8B-B14F-4D97-AF65-F5344CB8AC3E}">
@@ -9075,6 +9165,51 @@
           </a:prstGeom>
         </p:spPr>
       </p:pic>
+      <p:sp>
+        <p:nvSpPr>
+          <p:cNvPr id="3" name="TextBox 2">
+            <a:extLst>
+              <a:ext uri="{FF2B5EF4-FFF2-40B4-BE49-F238E27FC236}">
+                <a16:creationId xmlns:a16="http://schemas.microsoft.com/office/drawing/2014/main" id="{9F99A790-39C5-8610-AEA7-BBE509FEC8B6}"/>
+              </a:ext>
+            </a:extLst>
+          </p:cNvPr>
+          <p:cNvSpPr txBox="1"/>
+          <p:nvPr/>
+        </p:nvSpPr>
+        <p:spPr>
+          <a:xfrm>
+            <a:off x="11036969" y="0"/>
+            <a:ext cx="1155031" cy="253916"/>
+          </a:xfrm>
+          <a:prstGeom prst="rect">
+            <a:avLst/>
+          </a:prstGeom>
+          <a:noFill/>
+        </p:spPr>
+        <p:txBody>
+          <a:bodyPr wrap="square" rtlCol="0">
+            <a:spAutoFit/>
+          </a:bodyPr>
+          <a:lstStyle/>
+          <a:p>
+            <a:r>
+              <a:rPr lang="en-IN" sz="1050" dirty="0"/>
+              <a:t>~~</a:t>
+            </a:r>
+            <a:r>
+              <a:rPr lang="en-IN" sz="1050" dirty="0">
+                <a:latin typeface="Arial Rounded MT Bold" panose="020F0704030504030204" pitchFamily="34" charset="0"/>
+              </a:rPr>
+              <a:t>Pranoy</a:t>
+            </a:r>
+            <a:r>
+              <a:rPr lang="en-IN" sz="1050" dirty="0"/>
+              <a:t> Patra</a:t>
+            </a:r>
+          </a:p>
+        </p:txBody>
+      </p:sp>
     </p:spTree>
     <p:extLst>
       <p:ext uri="{BB962C8B-B14F-4D97-AF65-F5344CB8AC3E}">
@@ -9120,7 +9255,7 @@
         <p:spPr>
           <a:xfrm>
             <a:off x="685800" y="556591"/>
-            <a:ext cx="6291470" cy="1200329"/>
+            <a:ext cx="6292516" cy="1477328"/>
           </a:xfrm>
           <a:prstGeom prst="rect">
             <a:avLst/>
@@ -9138,7 +9273,7 @@
               <a:buChar char="•"/>
             </a:pPr>
             <a:r>
-              <a:rPr lang="en-IN">
+              <a:rPr lang="en-IN" dirty="0">
                 <a:solidFill>
                   <a:schemeClr val="bg1"/>
                 </a:solidFill>
@@ -9146,8 +9281,8 @@
               <a:t>git commit –m “Your Massage”  </a:t>
             </a:r>
             <a:r>
-              <a:rPr lang="en-IN"/>
-              <a:t>(To Commit Staged Files)</a:t>
+              <a:rPr lang="en-IN" dirty="0"/>
+              <a:t>(To Commit Staged Files)                 	  (Use –m “massage” otherwise it will open vim editor)</a:t>
             </a:r>
           </a:p>
           <a:p>
@@ -9156,7 +9291,7 @@
               <a:buChar char="•"/>
             </a:pPr>
             <a:r>
-              <a:rPr lang="en-IN">
+              <a:rPr lang="en-IN" dirty="0">
                 <a:solidFill>
                   <a:schemeClr val="bg1"/>
                 </a:solidFill>
@@ -9164,7 +9299,7 @@
               <a:t>git log </a:t>
             </a:r>
             <a:r>
-              <a:rPr lang="en-IN"/>
+              <a:rPr lang="en-IN" dirty="0"/>
               <a:t>(To see the logs of your Commits with details)</a:t>
             </a:r>
           </a:p>
@@ -9174,7 +9309,7 @@
               <a:buChar char="•"/>
             </a:pPr>
             <a:r>
-              <a:rPr lang="en-IN">
+              <a:rPr lang="en-IN" dirty="0">
                 <a:solidFill>
                   <a:schemeClr val="bg1"/>
                 </a:solidFill>
@@ -9182,11 +9317,19 @@
               <a:t>rm –rf .git </a:t>
             </a:r>
             <a:r>
-              <a:rPr lang="en-IN"/>
-              <a:t>(To remove .git folder)(Be carefull about it , </a:t>
-            </a:r>
-            <a:r>
-              <a:rPr lang="en-IN">
+              <a:rPr lang="en-IN" dirty="0"/>
+              <a:t>(To remove .git folder)(Be </a:t>
+            </a:r>
+            <a:r>
+              <a:rPr lang="en-IN" dirty="0" err="1"/>
+              <a:t>carefull</a:t>
+            </a:r>
+            <a:r>
+              <a:rPr lang="en-IN" dirty="0"/>
+              <a:t> about it , </a:t>
+            </a:r>
+            <a:r>
+              <a:rPr lang="en-IN" dirty="0">
                 <a:solidFill>
                   <a:srgbClr val="00B0F0"/>
                 </a:solidFill>
@@ -9194,10 +9337,54 @@
               <a:t>it will delete all your previous versions</a:t>
             </a:r>
             <a:r>
-              <a:rPr lang="en-IN"/>
+              <a:rPr lang="en-IN" dirty="0"/>
               <a:t>)</a:t>
             </a:r>
-            <a:endParaRPr lang="en-IN" dirty="0"/>
+          </a:p>
+        </p:txBody>
+      </p:sp>
+      <p:sp>
+        <p:nvSpPr>
+          <p:cNvPr id="3" name="TextBox 2">
+            <a:extLst>
+              <a:ext uri="{FF2B5EF4-FFF2-40B4-BE49-F238E27FC236}">
+                <a16:creationId xmlns:a16="http://schemas.microsoft.com/office/drawing/2014/main" id="{F5671622-6BC7-20E0-03A5-5C09DCD8E199}"/>
+              </a:ext>
+            </a:extLst>
+          </p:cNvPr>
+          <p:cNvSpPr txBox="1"/>
+          <p:nvPr/>
+        </p:nvSpPr>
+        <p:spPr>
+          <a:xfrm>
+            <a:off x="11036969" y="0"/>
+            <a:ext cx="1155031" cy="253916"/>
+          </a:xfrm>
+          <a:prstGeom prst="rect">
+            <a:avLst/>
+          </a:prstGeom>
+          <a:noFill/>
+        </p:spPr>
+        <p:txBody>
+          <a:bodyPr wrap="square" rtlCol="0">
+            <a:spAutoFit/>
+          </a:bodyPr>
+          <a:lstStyle/>
+          <a:p>
+            <a:r>
+              <a:rPr lang="en-IN" sz="1050" dirty="0"/>
+              <a:t>~~</a:t>
+            </a:r>
+            <a:r>
+              <a:rPr lang="en-IN" sz="1050" dirty="0">
+                <a:latin typeface="Arial Rounded MT Bold" panose="020F0704030504030204" pitchFamily="34" charset="0"/>
+              </a:rPr>
+              <a:t>Pranoy</a:t>
+            </a:r>
+            <a:r>
+              <a:rPr lang="en-IN" sz="1050" dirty="0"/>
+              <a:t> Patra</a:t>
+            </a:r>
           </a:p>
         </p:txBody>
       </p:sp>
@@ -9480,6 +9667,51 @@
           </a:prstGeom>
         </p:spPr>
       </p:pic>
+      <p:sp>
+        <p:nvSpPr>
+          <p:cNvPr id="5" name="TextBox 4">
+            <a:extLst>
+              <a:ext uri="{FF2B5EF4-FFF2-40B4-BE49-F238E27FC236}">
+                <a16:creationId xmlns:a16="http://schemas.microsoft.com/office/drawing/2014/main" id="{6A1AADA8-16A3-9550-EEBA-3EEEBDDF124F}"/>
+              </a:ext>
+            </a:extLst>
+          </p:cNvPr>
+          <p:cNvSpPr txBox="1"/>
+          <p:nvPr/>
+        </p:nvSpPr>
+        <p:spPr>
+          <a:xfrm>
+            <a:off x="11036969" y="0"/>
+            <a:ext cx="1155031" cy="253916"/>
+          </a:xfrm>
+          <a:prstGeom prst="rect">
+            <a:avLst/>
+          </a:prstGeom>
+          <a:noFill/>
+        </p:spPr>
+        <p:txBody>
+          <a:bodyPr wrap="square" rtlCol="0">
+            <a:spAutoFit/>
+          </a:bodyPr>
+          <a:lstStyle/>
+          <a:p>
+            <a:r>
+              <a:rPr lang="en-IN" sz="1050" dirty="0"/>
+              <a:t>~~</a:t>
+            </a:r>
+            <a:r>
+              <a:rPr lang="en-IN" sz="1050" dirty="0">
+                <a:latin typeface="Arial Rounded MT Bold" panose="020F0704030504030204" pitchFamily="34" charset="0"/>
+              </a:rPr>
+              <a:t>Pranoy</a:t>
+            </a:r>
+            <a:r>
+              <a:rPr lang="en-IN" sz="1050" dirty="0"/>
+              <a:t> Patra</a:t>
+            </a:r>
+          </a:p>
+        </p:txBody>
+      </p:sp>
     </p:spTree>
     <p:extLst>
       <p:ext uri="{BB962C8B-B14F-4D97-AF65-F5344CB8AC3E}">
@@ -10520,6 +10752,51 @@
           </a:p>
         </p:txBody>
       </p:sp>
+      <p:sp>
+        <p:nvSpPr>
+          <p:cNvPr id="23" name="TextBox 22">
+            <a:extLst>
+              <a:ext uri="{FF2B5EF4-FFF2-40B4-BE49-F238E27FC236}">
+                <a16:creationId xmlns:a16="http://schemas.microsoft.com/office/drawing/2014/main" id="{69526963-E7BB-6746-8005-28A11952BCF3}"/>
+              </a:ext>
+            </a:extLst>
+          </p:cNvPr>
+          <p:cNvSpPr txBox="1"/>
+          <p:nvPr/>
+        </p:nvSpPr>
+        <p:spPr>
+          <a:xfrm>
+            <a:off x="11036969" y="0"/>
+            <a:ext cx="1155031" cy="253916"/>
+          </a:xfrm>
+          <a:prstGeom prst="rect">
+            <a:avLst/>
+          </a:prstGeom>
+          <a:noFill/>
+        </p:spPr>
+        <p:txBody>
+          <a:bodyPr wrap="square" rtlCol="0">
+            <a:spAutoFit/>
+          </a:bodyPr>
+          <a:lstStyle/>
+          <a:p>
+            <a:r>
+              <a:rPr lang="en-IN" sz="1050" dirty="0"/>
+              <a:t>~~</a:t>
+            </a:r>
+            <a:r>
+              <a:rPr lang="en-IN" sz="1050" dirty="0">
+                <a:latin typeface="Arial Rounded MT Bold" panose="020F0704030504030204" pitchFamily="34" charset="0"/>
+              </a:rPr>
+              <a:t>Pranoy</a:t>
+            </a:r>
+            <a:r>
+              <a:rPr lang="en-IN" sz="1050" dirty="0"/>
+              <a:t> Patra</a:t>
+            </a:r>
+          </a:p>
+        </p:txBody>
+      </p:sp>
     </p:spTree>
     <p:extLst>
       <p:ext uri="{BB962C8B-B14F-4D97-AF65-F5344CB8AC3E}">
@@ -10910,6 +11187,51 @@
           </a:prstGeom>
         </p:spPr>
       </p:pic>
+      <p:sp>
+        <p:nvSpPr>
+          <p:cNvPr id="5" name="TextBox 4">
+            <a:extLst>
+              <a:ext uri="{FF2B5EF4-FFF2-40B4-BE49-F238E27FC236}">
+                <a16:creationId xmlns:a16="http://schemas.microsoft.com/office/drawing/2014/main" id="{9D9FA0CB-B630-1B23-566C-01DEF5B9273B}"/>
+              </a:ext>
+            </a:extLst>
+          </p:cNvPr>
+          <p:cNvSpPr txBox="1"/>
+          <p:nvPr/>
+        </p:nvSpPr>
+        <p:spPr>
+          <a:xfrm>
+            <a:off x="11036969" y="0"/>
+            <a:ext cx="1155031" cy="253916"/>
+          </a:xfrm>
+          <a:prstGeom prst="rect">
+            <a:avLst/>
+          </a:prstGeom>
+          <a:noFill/>
+        </p:spPr>
+        <p:txBody>
+          <a:bodyPr wrap="square" rtlCol="0">
+            <a:spAutoFit/>
+          </a:bodyPr>
+          <a:lstStyle/>
+          <a:p>
+            <a:r>
+              <a:rPr lang="en-IN" sz="1050" dirty="0"/>
+              <a:t>~~</a:t>
+            </a:r>
+            <a:r>
+              <a:rPr lang="en-IN" sz="1050" dirty="0">
+                <a:latin typeface="Arial Rounded MT Bold" panose="020F0704030504030204" pitchFamily="34" charset="0"/>
+              </a:rPr>
+              <a:t>Pranoy</a:t>
+            </a:r>
+            <a:r>
+              <a:rPr lang="en-IN" sz="1050" dirty="0"/>
+              <a:t> Patra</a:t>
+            </a:r>
+          </a:p>
+        </p:txBody>
+      </p:sp>
     </p:spTree>
     <p:extLst>
       <p:ext uri="{BB962C8B-B14F-4D97-AF65-F5344CB8AC3E}">
@@ -11106,6 +11428,51 @@
           </a:prstGeom>
         </p:spPr>
       </p:pic>
+      <p:sp>
+        <p:nvSpPr>
+          <p:cNvPr id="5" name="TextBox 4">
+            <a:extLst>
+              <a:ext uri="{FF2B5EF4-FFF2-40B4-BE49-F238E27FC236}">
+                <a16:creationId xmlns:a16="http://schemas.microsoft.com/office/drawing/2014/main" id="{853B455C-B9FB-A2ED-7141-16DA42581F43}"/>
+              </a:ext>
+            </a:extLst>
+          </p:cNvPr>
+          <p:cNvSpPr txBox="1"/>
+          <p:nvPr/>
+        </p:nvSpPr>
+        <p:spPr>
+          <a:xfrm>
+            <a:off x="11046594" y="0"/>
+            <a:ext cx="1155031" cy="253916"/>
+          </a:xfrm>
+          <a:prstGeom prst="rect">
+            <a:avLst/>
+          </a:prstGeom>
+          <a:noFill/>
+        </p:spPr>
+        <p:txBody>
+          <a:bodyPr wrap="square" rtlCol="0">
+            <a:spAutoFit/>
+          </a:bodyPr>
+          <a:lstStyle/>
+          <a:p>
+            <a:r>
+              <a:rPr lang="en-IN" sz="1050" dirty="0"/>
+              <a:t>~~</a:t>
+            </a:r>
+            <a:r>
+              <a:rPr lang="en-IN" sz="1050" dirty="0">
+                <a:latin typeface="Arial Rounded MT Bold" panose="020F0704030504030204" pitchFamily="34" charset="0"/>
+              </a:rPr>
+              <a:t>Pranoy</a:t>
+            </a:r>
+            <a:r>
+              <a:rPr lang="en-IN" sz="1050" dirty="0"/>
+              <a:t> Patra</a:t>
+            </a:r>
+          </a:p>
+        </p:txBody>
+      </p:sp>
     </p:spTree>
     <p:extLst>
       <p:ext uri="{BB962C8B-B14F-4D97-AF65-F5344CB8AC3E}">
@@ -11319,6 +11686,51 @@
           </a:p>
         </p:txBody>
       </p:sp>
+      <p:sp>
+        <p:nvSpPr>
+          <p:cNvPr id="4" name="TextBox 3">
+            <a:extLst>
+              <a:ext uri="{FF2B5EF4-FFF2-40B4-BE49-F238E27FC236}">
+                <a16:creationId xmlns:a16="http://schemas.microsoft.com/office/drawing/2014/main" id="{7CCAE561-95E2-56B0-2608-E406A0F8E8C3}"/>
+              </a:ext>
+            </a:extLst>
+          </p:cNvPr>
+          <p:cNvSpPr txBox="1"/>
+          <p:nvPr/>
+        </p:nvSpPr>
+        <p:spPr>
+          <a:xfrm>
+            <a:off x="11036969" y="0"/>
+            <a:ext cx="1155031" cy="253916"/>
+          </a:xfrm>
+          <a:prstGeom prst="rect">
+            <a:avLst/>
+          </a:prstGeom>
+          <a:noFill/>
+        </p:spPr>
+        <p:txBody>
+          <a:bodyPr wrap="square" rtlCol="0">
+            <a:spAutoFit/>
+          </a:bodyPr>
+          <a:lstStyle/>
+          <a:p>
+            <a:r>
+              <a:rPr lang="en-IN" sz="1050" dirty="0"/>
+              <a:t>~~</a:t>
+            </a:r>
+            <a:r>
+              <a:rPr lang="en-IN" sz="1050" dirty="0">
+                <a:latin typeface="Arial Rounded MT Bold" panose="020F0704030504030204" pitchFamily="34" charset="0"/>
+              </a:rPr>
+              <a:t>Pranoy</a:t>
+            </a:r>
+            <a:r>
+              <a:rPr lang="en-IN" sz="1050" dirty="0"/>
+              <a:t> Patra</a:t>
+            </a:r>
+          </a:p>
+        </p:txBody>
+      </p:sp>
     </p:spTree>
     <p:extLst>
       <p:ext uri="{BB962C8B-B14F-4D97-AF65-F5344CB8AC3E}">
@@ -11729,6 +12141,51 @@
           </a:p>
         </p:txBody>
       </p:sp>
+      <p:sp>
+        <p:nvSpPr>
+          <p:cNvPr id="5" name="TextBox 4">
+            <a:extLst>
+              <a:ext uri="{FF2B5EF4-FFF2-40B4-BE49-F238E27FC236}">
+                <a16:creationId xmlns:a16="http://schemas.microsoft.com/office/drawing/2014/main" id="{B1272941-5139-C54B-DC1F-17C1B75EDA92}"/>
+              </a:ext>
+            </a:extLst>
+          </p:cNvPr>
+          <p:cNvSpPr txBox="1"/>
+          <p:nvPr/>
+        </p:nvSpPr>
+        <p:spPr>
+          <a:xfrm>
+            <a:off x="11036969" y="0"/>
+            <a:ext cx="1155031" cy="253916"/>
+          </a:xfrm>
+          <a:prstGeom prst="rect">
+            <a:avLst/>
+          </a:prstGeom>
+          <a:noFill/>
+        </p:spPr>
+        <p:txBody>
+          <a:bodyPr wrap="square" rtlCol="0">
+            <a:spAutoFit/>
+          </a:bodyPr>
+          <a:lstStyle/>
+          <a:p>
+            <a:r>
+              <a:rPr lang="en-IN" sz="1050" dirty="0"/>
+              <a:t>~~</a:t>
+            </a:r>
+            <a:r>
+              <a:rPr lang="en-IN" sz="1050" dirty="0">
+                <a:latin typeface="Arial Rounded MT Bold" panose="020F0704030504030204" pitchFamily="34" charset="0"/>
+              </a:rPr>
+              <a:t>Pranoy</a:t>
+            </a:r>
+            <a:r>
+              <a:rPr lang="en-IN" sz="1050" dirty="0"/>
+              <a:t> Patra</a:t>
+            </a:r>
+          </a:p>
+        </p:txBody>
+      </p:sp>
     </p:spTree>
     <p:extLst>
       <p:ext uri="{BB962C8B-B14F-4D97-AF65-F5344CB8AC3E}">
@@ -12465,6 +12922,51 @@
           </a:p>
         </p:txBody>
       </p:sp>
+      <p:sp>
+        <p:nvSpPr>
+          <p:cNvPr id="4" name="TextBox 3">
+            <a:extLst>
+              <a:ext uri="{FF2B5EF4-FFF2-40B4-BE49-F238E27FC236}">
+                <a16:creationId xmlns:a16="http://schemas.microsoft.com/office/drawing/2014/main" id="{35752467-A2C7-72AE-1AB8-2B17372BC477}"/>
+              </a:ext>
+            </a:extLst>
+          </p:cNvPr>
+          <p:cNvSpPr txBox="1"/>
+          <p:nvPr/>
+        </p:nvSpPr>
+        <p:spPr>
+          <a:xfrm>
+            <a:off x="11036969" y="0"/>
+            <a:ext cx="1155031" cy="253916"/>
+          </a:xfrm>
+          <a:prstGeom prst="rect">
+            <a:avLst/>
+          </a:prstGeom>
+          <a:noFill/>
+        </p:spPr>
+        <p:txBody>
+          <a:bodyPr wrap="square" rtlCol="0">
+            <a:spAutoFit/>
+          </a:bodyPr>
+          <a:lstStyle/>
+          <a:p>
+            <a:r>
+              <a:rPr lang="en-IN" sz="1050" dirty="0"/>
+              <a:t>~~</a:t>
+            </a:r>
+            <a:r>
+              <a:rPr lang="en-IN" sz="1050" dirty="0">
+                <a:latin typeface="Arial Rounded MT Bold" panose="020F0704030504030204" pitchFamily="34" charset="0"/>
+              </a:rPr>
+              <a:t>Pranoy</a:t>
+            </a:r>
+            <a:r>
+              <a:rPr lang="en-IN" sz="1050" dirty="0"/>
+              <a:t> Patra</a:t>
+            </a:r>
+          </a:p>
+        </p:txBody>
+      </p:sp>
     </p:spTree>
     <p:extLst>
       <p:ext uri="{BB962C8B-B14F-4D97-AF65-F5344CB8AC3E}">
@@ -12573,7 +13075,7 @@
         </p:nvSpPr>
         <p:spPr>
           <a:xfrm>
-            <a:off x="868278" y="2742629"/>
+            <a:off x="868278" y="2771504"/>
             <a:ext cx="10455443" cy="2031325"/>
           </a:xfrm>
           <a:prstGeom prst="rect">
@@ -12841,6 +13343,51 @@
           </a:prstGeom>
         </p:spPr>
       </p:pic>
+      <p:sp>
+        <p:nvSpPr>
+          <p:cNvPr id="3" name="TextBox 2">
+            <a:extLst>
+              <a:ext uri="{FF2B5EF4-FFF2-40B4-BE49-F238E27FC236}">
+                <a16:creationId xmlns:a16="http://schemas.microsoft.com/office/drawing/2014/main" id="{32C794B3-29AC-A4C3-0504-254FCF382F53}"/>
+              </a:ext>
+            </a:extLst>
+          </p:cNvPr>
+          <p:cNvSpPr txBox="1"/>
+          <p:nvPr/>
+        </p:nvSpPr>
+        <p:spPr>
+          <a:xfrm>
+            <a:off x="11036969" y="0"/>
+            <a:ext cx="1155031" cy="253916"/>
+          </a:xfrm>
+          <a:prstGeom prst="rect">
+            <a:avLst/>
+          </a:prstGeom>
+          <a:noFill/>
+        </p:spPr>
+        <p:txBody>
+          <a:bodyPr wrap="square" rtlCol="0">
+            <a:spAutoFit/>
+          </a:bodyPr>
+          <a:lstStyle/>
+          <a:p>
+            <a:r>
+              <a:rPr lang="en-IN" sz="1050" dirty="0"/>
+              <a:t>~~</a:t>
+            </a:r>
+            <a:r>
+              <a:rPr lang="en-IN" sz="1050" dirty="0">
+                <a:latin typeface="Arial Rounded MT Bold" panose="020F0704030504030204" pitchFamily="34" charset="0"/>
+              </a:rPr>
+              <a:t>Pranoy</a:t>
+            </a:r>
+            <a:r>
+              <a:rPr lang="en-IN" sz="1050" dirty="0"/>
+              <a:t> Patra</a:t>
+            </a:r>
+          </a:p>
+        </p:txBody>
+      </p:sp>
     </p:spTree>
     <p:extLst>
       <p:ext uri="{BB962C8B-B14F-4D97-AF65-F5344CB8AC3E}">
@@ -12977,6 +13524,51 @@
           </a:p>
         </p:txBody>
       </p:sp>
+      <p:sp>
+        <p:nvSpPr>
+          <p:cNvPr id="4" name="TextBox 3">
+            <a:extLst>
+              <a:ext uri="{FF2B5EF4-FFF2-40B4-BE49-F238E27FC236}">
+                <a16:creationId xmlns:a16="http://schemas.microsoft.com/office/drawing/2014/main" id="{39490A7C-3D4F-AF93-C610-916EBB408BC0}"/>
+              </a:ext>
+            </a:extLst>
+          </p:cNvPr>
+          <p:cNvSpPr txBox="1"/>
+          <p:nvPr/>
+        </p:nvSpPr>
+        <p:spPr>
+          <a:xfrm>
+            <a:off x="11036969" y="0"/>
+            <a:ext cx="1155031" cy="253916"/>
+          </a:xfrm>
+          <a:prstGeom prst="rect">
+            <a:avLst/>
+          </a:prstGeom>
+          <a:noFill/>
+        </p:spPr>
+        <p:txBody>
+          <a:bodyPr wrap="square" rtlCol="0">
+            <a:spAutoFit/>
+          </a:bodyPr>
+          <a:lstStyle/>
+          <a:p>
+            <a:r>
+              <a:rPr lang="en-IN" sz="1050" dirty="0"/>
+              <a:t>~~</a:t>
+            </a:r>
+            <a:r>
+              <a:rPr lang="en-IN" sz="1050" dirty="0">
+                <a:latin typeface="Arial Rounded MT Bold" panose="020F0704030504030204" pitchFamily="34" charset="0"/>
+              </a:rPr>
+              <a:t>Pranoy</a:t>
+            </a:r>
+            <a:r>
+              <a:rPr lang="en-IN" sz="1050" dirty="0"/>
+              <a:t> Patra</a:t>
+            </a:r>
+          </a:p>
+        </p:txBody>
+      </p:sp>
     </p:spTree>
     <p:extLst>
       <p:ext uri="{BB962C8B-B14F-4D97-AF65-F5344CB8AC3E}">
@@ -13350,6 +13942,51 @@
           </a:p>
         </p:txBody>
       </p:sp>
+      <p:sp>
+        <p:nvSpPr>
+          <p:cNvPr id="3" name="TextBox 2">
+            <a:extLst>
+              <a:ext uri="{FF2B5EF4-FFF2-40B4-BE49-F238E27FC236}">
+                <a16:creationId xmlns:a16="http://schemas.microsoft.com/office/drawing/2014/main" id="{DB82BF0C-96B6-FD8E-880F-5F62DDBAD6C4}"/>
+              </a:ext>
+            </a:extLst>
+          </p:cNvPr>
+          <p:cNvSpPr txBox="1"/>
+          <p:nvPr/>
+        </p:nvSpPr>
+        <p:spPr>
+          <a:xfrm>
+            <a:off x="11036969" y="0"/>
+            <a:ext cx="1155031" cy="253916"/>
+          </a:xfrm>
+          <a:prstGeom prst="rect">
+            <a:avLst/>
+          </a:prstGeom>
+          <a:noFill/>
+        </p:spPr>
+        <p:txBody>
+          <a:bodyPr wrap="square" rtlCol="0">
+            <a:spAutoFit/>
+          </a:bodyPr>
+          <a:lstStyle/>
+          <a:p>
+            <a:r>
+              <a:rPr lang="en-IN" sz="1050" dirty="0"/>
+              <a:t>~~</a:t>
+            </a:r>
+            <a:r>
+              <a:rPr lang="en-IN" sz="1050" dirty="0">
+                <a:latin typeface="Arial Rounded MT Bold" panose="020F0704030504030204" pitchFamily="34" charset="0"/>
+              </a:rPr>
+              <a:t>Pranoy</a:t>
+            </a:r>
+            <a:r>
+              <a:rPr lang="en-IN" sz="1050" dirty="0"/>
+              <a:t> Patra</a:t>
+            </a:r>
+          </a:p>
+        </p:txBody>
+      </p:sp>
     </p:spTree>
     <p:extLst>
       <p:ext uri="{BB962C8B-B14F-4D97-AF65-F5344CB8AC3E}">
@@ -13916,6 +14553,102 @@
           </a:prstGeom>
         </p:spPr>
       </p:pic>
+      <p:sp>
+        <p:nvSpPr>
+          <p:cNvPr id="3" name="TextBox 2">
+            <a:extLst>
+              <a:ext uri="{FF2B5EF4-FFF2-40B4-BE49-F238E27FC236}">
+                <a16:creationId xmlns:a16="http://schemas.microsoft.com/office/drawing/2014/main" id="{A9A45397-E64F-A93F-B18D-DEC33C4DB62B}"/>
+              </a:ext>
+            </a:extLst>
+          </p:cNvPr>
+          <p:cNvSpPr txBox="1"/>
+          <p:nvPr/>
+        </p:nvSpPr>
+        <p:spPr>
+          <a:xfrm>
+            <a:off x="10642877" y="1088741"/>
+            <a:ext cx="1577457" cy="369332"/>
+          </a:xfrm>
+          <a:prstGeom prst="rect">
+            <a:avLst/>
+          </a:prstGeom>
+          <a:noFill/>
+        </p:spPr>
+        <p:txBody>
+          <a:bodyPr wrap="square" rtlCol="0">
+            <a:spAutoFit/>
+          </a:bodyPr>
+          <a:lstStyle/>
+          <a:p>
+            <a:r>
+              <a:rPr lang="en-IN" dirty="0">
+                <a:solidFill>
+                  <a:srgbClr val="0070C0"/>
+                </a:solidFill>
+                <a:hlinkClick r:id="rId5">
+                  <a:extLst>
+                    <a:ext uri="{A12FA001-AC4F-418D-AE19-62706E023703}">
+                      <ahyp:hlinkClr xmlns:ahyp="http://schemas.microsoft.com/office/drawing/2018/hyperlinkcolor" val="tx"/>
+                    </a:ext>
+                  </a:extLst>
+                </a:hlinkClick>
+              </a:rPr>
+              <a:t>Explore More</a:t>
+            </a:r>
+            <a:endParaRPr lang="en-IN" dirty="0">
+              <a:solidFill>
+                <a:srgbClr val="0070C0"/>
+              </a:solidFill>
+            </a:endParaRPr>
+          </a:p>
+        </p:txBody>
+      </p:sp>
+      <p:sp>
+        <p:nvSpPr>
+          <p:cNvPr id="5" name="TextBox 4">
+            <a:extLst>
+              <a:ext uri="{FF2B5EF4-FFF2-40B4-BE49-F238E27FC236}">
+                <a16:creationId xmlns:a16="http://schemas.microsoft.com/office/drawing/2014/main" id="{5EF769D8-C64B-8A53-B745-F815F3F4811F}"/>
+              </a:ext>
+            </a:extLst>
+          </p:cNvPr>
+          <p:cNvSpPr txBox="1"/>
+          <p:nvPr/>
+        </p:nvSpPr>
+        <p:spPr>
+          <a:xfrm>
+            <a:off x="11036969" y="0"/>
+            <a:ext cx="1155031" cy="253916"/>
+          </a:xfrm>
+          <a:prstGeom prst="rect">
+            <a:avLst/>
+          </a:prstGeom>
+          <a:noFill/>
+        </p:spPr>
+        <p:txBody>
+          <a:bodyPr wrap="square" rtlCol="0">
+            <a:spAutoFit/>
+          </a:bodyPr>
+          <a:lstStyle/>
+          <a:p>
+            <a:r>
+              <a:rPr lang="en-IN" sz="1050" dirty="0"/>
+              <a:t>~~</a:t>
+            </a:r>
+            <a:r>
+              <a:rPr lang="en-IN" sz="1050" dirty="0">
+                <a:latin typeface="Arial Rounded MT Bold" panose="020F0704030504030204" pitchFamily="34" charset="0"/>
+              </a:rPr>
+              <a:t>Pranoy</a:t>
+            </a:r>
+            <a:r>
+              <a:rPr lang="en-IN" sz="1050" dirty="0"/>
+              <a:t> Patra</a:t>
+            </a:r>
+          </a:p>
+        </p:txBody>
+      </p:sp>
     </p:spTree>
     <p:extLst>
       <p:ext uri="{BB962C8B-B14F-4D97-AF65-F5344CB8AC3E}">
@@ -14096,6 +14829,51 @@
           </a:prstGeom>
         </p:spPr>
       </p:pic>
+      <p:sp>
+        <p:nvSpPr>
+          <p:cNvPr id="4" name="TextBox 3">
+            <a:extLst>
+              <a:ext uri="{FF2B5EF4-FFF2-40B4-BE49-F238E27FC236}">
+                <a16:creationId xmlns:a16="http://schemas.microsoft.com/office/drawing/2014/main" id="{20C4A0C0-CE4A-840D-FB6F-6DFA1DF94629}"/>
+              </a:ext>
+            </a:extLst>
+          </p:cNvPr>
+          <p:cNvSpPr txBox="1"/>
+          <p:nvPr/>
+        </p:nvSpPr>
+        <p:spPr>
+          <a:xfrm>
+            <a:off x="11036969" y="0"/>
+            <a:ext cx="1155031" cy="253916"/>
+          </a:xfrm>
+          <a:prstGeom prst="rect">
+            <a:avLst/>
+          </a:prstGeom>
+          <a:noFill/>
+        </p:spPr>
+        <p:txBody>
+          <a:bodyPr wrap="square" rtlCol="0">
+            <a:spAutoFit/>
+          </a:bodyPr>
+          <a:lstStyle/>
+          <a:p>
+            <a:r>
+              <a:rPr lang="en-IN" sz="1050" dirty="0"/>
+              <a:t>~~</a:t>
+            </a:r>
+            <a:r>
+              <a:rPr lang="en-IN" sz="1050" dirty="0">
+                <a:latin typeface="Arial Rounded MT Bold" panose="020F0704030504030204" pitchFamily="34" charset="0"/>
+              </a:rPr>
+              <a:t>Pranoy</a:t>
+            </a:r>
+            <a:r>
+              <a:rPr lang="en-IN" sz="1050" dirty="0"/>
+              <a:t> Patra</a:t>
+            </a:r>
+          </a:p>
+        </p:txBody>
+      </p:sp>
     </p:spTree>
     <p:extLst>
       <p:ext uri="{BB962C8B-B14F-4D97-AF65-F5344CB8AC3E}">
@@ -14324,6 +15102,51 @@
           </a:prstGeom>
         </p:spPr>
       </p:pic>
+      <p:sp>
+        <p:nvSpPr>
+          <p:cNvPr id="4" name="TextBox 3">
+            <a:extLst>
+              <a:ext uri="{FF2B5EF4-FFF2-40B4-BE49-F238E27FC236}">
+                <a16:creationId xmlns:a16="http://schemas.microsoft.com/office/drawing/2014/main" id="{91AAF312-5B57-0EF0-8718-A51718856A33}"/>
+              </a:ext>
+            </a:extLst>
+          </p:cNvPr>
+          <p:cNvSpPr txBox="1"/>
+          <p:nvPr/>
+        </p:nvSpPr>
+        <p:spPr>
+          <a:xfrm>
+            <a:off x="11036969" y="0"/>
+            <a:ext cx="1155031" cy="253916"/>
+          </a:xfrm>
+          <a:prstGeom prst="rect">
+            <a:avLst/>
+          </a:prstGeom>
+          <a:noFill/>
+        </p:spPr>
+        <p:txBody>
+          <a:bodyPr wrap="square" rtlCol="0">
+            <a:spAutoFit/>
+          </a:bodyPr>
+          <a:lstStyle/>
+          <a:p>
+            <a:r>
+              <a:rPr lang="en-IN" sz="1050" dirty="0"/>
+              <a:t>~~</a:t>
+            </a:r>
+            <a:r>
+              <a:rPr lang="en-IN" sz="1050" dirty="0">
+                <a:latin typeface="Arial Rounded MT Bold" panose="020F0704030504030204" pitchFamily="34" charset="0"/>
+              </a:rPr>
+              <a:t>Pranoy</a:t>
+            </a:r>
+            <a:r>
+              <a:rPr lang="en-IN" sz="1050" dirty="0"/>
+              <a:t> Patra</a:t>
+            </a:r>
+          </a:p>
+        </p:txBody>
+      </p:sp>
     </p:spTree>
     <p:extLst>
       <p:ext uri="{BB962C8B-B14F-4D97-AF65-F5344CB8AC3E}">
@@ -15589,6 +16412,51 @@
           </a:p>
         </p:txBody>
       </p:sp>
+      <p:sp>
+        <p:nvSpPr>
+          <p:cNvPr id="4" name="TextBox 3">
+            <a:extLst>
+              <a:ext uri="{FF2B5EF4-FFF2-40B4-BE49-F238E27FC236}">
+                <a16:creationId xmlns:a16="http://schemas.microsoft.com/office/drawing/2014/main" id="{6ACE59EF-DB23-DB95-E8E0-21F9D8D14466}"/>
+              </a:ext>
+            </a:extLst>
+          </p:cNvPr>
+          <p:cNvSpPr txBox="1"/>
+          <p:nvPr/>
+        </p:nvSpPr>
+        <p:spPr>
+          <a:xfrm>
+            <a:off x="11036969" y="0"/>
+            <a:ext cx="1155031" cy="253916"/>
+          </a:xfrm>
+          <a:prstGeom prst="rect">
+            <a:avLst/>
+          </a:prstGeom>
+          <a:noFill/>
+        </p:spPr>
+        <p:txBody>
+          <a:bodyPr wrap="square" rtlCol="0">
+            <a:spAutoFit/>
+          </a:bodyPr>
+          <a:lstStyle/>
+          <a:p>
+            <a:r>
+              <a:rPr lang="en-IN" sz="1050" dirty="0"/>
+              <a:t>~~</a:t>
+            </a:r>
+            <a:r>
+              <a:rPr lang="en-IN" sz="1050" dirty="0">
+                <a:latin typeface="Arial Rounded MT Bold" panose="020F0704030504030204" pitchFamily="34" charset="0"/>
+              </a:rPr>
+              <a:t>Pranoy</a:t>
+            </a:r>
+            <a:r>
+              <a:rPr lang="en-IN" sz="1050" dirty="0"/>
+              <a:t> Patra</a:t>
+            </a:r>
+          </a:p>
+        </p:txBody>
+      </p:sp>
     </p:spTree>
     <p:extLst>
       <p:ext uri="{BB962C8B-B14F-4D97-AF65-F5344CB8AC3E}">
@@ -15761,6 +16629,51 @@
           </a:prstGeom>
         </p:spPr>
       </p:pic>
+      <p:sp>
+        <p:nvSpPr>
+          <p:cNvPr id="4" name="TextBox 3">
+            <a:extLst>
+              <a:ext uri="{FF2B5EF4-FFF2-40B4-BE49-F238E27FC236}">
+                <a16:creationId xmlns:a16="http://schemas.microsoft.com/office/drawing/2014/main" id="{CD03F662-BF0B-7023-F7B4-9DC8D0B6525B}"/>
+              </a:ext>
+            </a:extLst>
+          </p:cNvPr>
+          <p:cNvSpPr txBox="1"/>
+          <p:nvPr/>
+        </p:nvSpPr>
+        <p:spPr>
+          <a:xfrm>
+            <a:off x="11036969" y="0"/>
+            <a:ext cx="1155031" cy="253916"/>
+          </a:xfrm>
+          <a:prstGeom prst="rect">
+            <a:avLst/>
+          </a:prstGeom>
+          <a:noFill/>
+        </p:spPr>
+        <p:txBody>
+          <a:bodyPr wrap="square" rtlCol="0">
+            <a:spAutoFit/>
+          </a:bodyPr>
+          <a:lstStyle/>
+          <a:p>
+            <a:r>
+              <a:rPr lang="en-IN" sz="1050" dirty="0"/>
+              <a:t>~~</a:t>
+            </a:r>
+            <a:r>
+              <a:rPr lang="en-IN" sz="1050" dirty="0">
+                <a:latin typeface="Arial Rounded MT Bold" panose="020F0704030504030204" pitchFamily="34" charset="0"/>
+              </a:rPr>
+              <a:t>Pranoy</a:t>
+            </a:r>
+            <a:r>
+              <a:rPr lang="en-IN" sz="1050" dirty="0"/>
+              <a:t> Patra</a:t>
+            </a:r>
+          </a:p>
+        </p:txBody>
+      </p:sp>
     </p:spTree>
     <p:extLst>
       <p:ext uri="{BB962C8B-B14F-4D97-AF65-F5344CB8AC3E}">
@@ -16036,6 +16949,51 @@
           </a:p>
         </p:txBody>
       </p:sp>
+      <p:sp>
+        <p:nvSpPr>
+          <p:cNvPr id="2" name="TextBox 1">
+            <a:extLst>
+              <a:ext uri="{FF2B5EF4-FFF2-40B4-BE49-F238E27FC236}">
+                <a16:creationId xmlns:a16="http://schemas.microsoft.com/office/drawing/2014/main" id="{FFCA948E-474D-D961-B0B9-BEBE33A8FE71}"/>
+              </a:ext>
+            </a:extLst>
+          </p:cNvPr>
+          <p:cNvSpPr txBox="1"/>
+          <p:nvPr/>
+        </p:nvSpPr>
+        <p:spPr>
+          <a:xfrm>
+            <a:off x="11036969" y="0"/>
+            <a:ext cx="1155031" cy="253916"/>
+          </a:xfrm>
+          <a:prstGeom prst="rect">
+            <a:avLst/>
+          </a:prstGeom>
+          <a:noFill/>
+        </p:spPr>
+        <p:txBody>
+          <a:bodyPr wrap="square" rtlCol="0">
+            <a:spAutoFit/>
+          </a:bodyPr>
+          <a:lstStyle/>
+          <a:p>
+            <a:r>
+              <a:rPr lang="en-IN" sz="1050" dirty="0"/>
+              <a:t>~~</a:t>
+            </a:r>
+            <a:r>
+              <a:rPr lang="en-IN" sz="1050" dirty="0">
+                <a:latin typeface="Arial Rounded MT Bold" panose="020F0704030504030204" pitchFamily="34" charset="0"/>
+              </a:rPr>
+              <a:t>Pranoy</a:t>
+            </a:r>
+            <a:r>
+              <a:rPr lang="en-IN" sz="1050" dirty="0"/>
+              <a:t> Patra</a:t>
+            </a:r>
+          </a:p>
+        </p:txBody>
+      </p:sp>
     </p:spTree>
     <p:extLst>
       <p:ext uri="{BB962C8B-B14F-4D97-AF65-F5344CB8AC3E}">
@@ -16153,6 +17111,51 @@
           </a:p>
         </p:txBody>
       </p:sp>
+      <p:sp>
+        <p:nvSpPr>
+          <p:cNvPr id="3" name="TextBox 2">
+            <a:extLst>
+              <a:ext uri="{FF2B5EF4-FFF2-40B4-BE49-F238E27FC236}">
+                <a16:creationId xmlns:a16="http://schemas.microsoft.com/office/drawing/2014/main" id="{51AE7CBB-B939-7099-C16D-402EDBB71DA3}"/>
+              </a:ext>
+            </a:extLst>
+          </p:cNvPr>
+          <p:cNvSpPr txBox="1"/>
+          <p:nvPr/>
+        </p:nvSpPr>
+        <p:spPr>
+          <a:xfrm>
+            <a:off x="11036969" y="0"/>
+            <a:ext cx="1155031" cy="253916"/>
+          </a:xfrm>
+          <a:prstGeom prst="rect">
+            <a:avLst/>
+          </a:prstGeom>
+          <a:noFill/>
+        </p:spPr>
+        <p:txBody>
+          <a:bodyPr wrap="square" rtlCol="0">
+            <a:spAutoFit/>
+          </a:bodyPr>
+          <a:lstStyle/>
+          <a:p>
+            <a:r>
+              <a:rPr lang="en-IN" sz="1050" dirty="0"/>
+              <a:t>~~</a:t>
+            </a:r>
+            <a:r>
+              <a:rPr lang="en-IN" sz="1050" dirty="0">
+                <a:latin typeface="Arial Rounded MT Bold" panose="020F0704030504030204" pitchFamily="34" charset="0"/>
+              </a:rPr>
+              <a:t>Pranoy</a:t>
+            </a:r>
+            <a:r>
+              <a:rPr lang="en-IN" sz="1050" dirty="0"/>
+              <a:t> Patra</a:t>
+            </a:r>
+          </a:p>
+        </p:txBody>
+      </p:sp>
     </p:spTree>
     <p:extLst>
       <p:ext uri="{BB962C8B-B14F-4D97-AF65-F5344CB8AC3E}">
@@ -16993,6 +17996,51 @@
           </a:fontRef>
         </p:style>
       </p:cxnSp>
+      <p:sp>
+        <p:nvSpPr>
+          <p:cNvPr id="5" name="TextBox 4">
+            <a:extLst>
+              <a:ext uri="{FF2B5EF4-FFF2-40B4-BE49-F238E27FC236}">
+                <a16:creationId xmlns:a16="http://schemas.microsoft.com/office/drawing/2014/main" id="{0647CA06-B4FB-35D4-7F10-0CDFFD363DCE}"/>
+              </a:ext>
+            </a:extLst>
+          </p:cNvPr>
+          <p:cNvSpPr txBox="1"/>
+          <p:nvPr/>
+        </p:nvSpPr>
+        <p:spPr>
+          <a:xfrm>
+            <a:off x="11036969" y="0"/>
+            <a:ext cx="1155031" cy="253916"/>
+          </a:xfrm>
+          <a:prstGeom prst="rect">
+            <a:avLst/>
+          </a:prstGeom>
+          <a:noFill/>
+        </p:spPr>
+        <p:txBody>
+          <a:bodyPr wrap="square" rtlCol="0">
+            <a:spAutoFit/>
+          </a:bodyPr>
+          <a:lstStyle/>
+          <a:p>
+            <a:r>
+              <a:rPr lang="en-IN" sz="1050" dirty="0"/>
+              <a:t>~~</a:t>
+            </a:r>
+            <a:r>
+              <a:rPr lang="en-IN" sz="1050" dirty="0">
+                <a:latin typeface="Arial Rounded MT Bold" panose="020F0704030504030204" pitchFamily="34" charset="0"/>
+              </a:rPr>
+              <a:t>Pranoy</a:t>
+            </a:r>
+            <a:r>
+              <a:rPr lang="en-IN" sz="1050" dirty="0"/>
+              <a:t> Patra</a:t>
+            </a:r>
+          </a:p>
+        </p:txBody>
+      </p:sp>
     </p:spTree>
     <p:extLst>
       <p:ext uri="{BB962C8B-B14F-4D97-AF65-F5344CB8AC3E}">
@@ -17174,6 +18222,51 @@
           </a:p>
         </p:txBody>
       </p:sp>
+      <p:sp>
+        <p:nvSpPr>
+          <p:cNvPr id="3" name="TextBox 2">
+            <a:extLst>
+              <a:ext uri="{FF2B5EF4-FFF2-40B4-BE49-F238E27FC236}">
+                <a16:creationId xmlns:a16="http://schemas.microsoft.com/office/drawing/2014/main" id="{8998B709-C6E0-AD08-813F-4CFA3BE94721}"/>
+              </a:ext>
+            </a:extLst>
+          </p:cNvPr>
+          <p:cNvSpPr txBox="1"/>
+          <p:nvPr/>
+        </p:nvSpPr>
+        <p:spPr>
+          <a:xfrm>
+            <a:off x="11036969" y="0"/>
+            <a:ext cx="1155031" cy="253916"/>
+          </a:xfrm>
+          <a:prstGeom prst="rect">
+            <a:avLst/>
+          </a:prstGeom>
+          <a:noFill/>
+        </p:spPr>
+        <p:txBody>
+          <a:bodyPr wrap="square" rtlCol="0">
+            <a:spAutoFit/>
+          </a:bodyPr>
+          <a:lstStyle/>
+          <a:p>
+            <a:r>
+              <a:rPr lang="en-IN" sz="1050" dirty="0"/>
+              <a:t>~~</a:t>
+            </a:r>
+            <a:r>
+              <a:rPr lang="en-IN" sz="1050" dirty="0">
+                <a:latin typeface="Arial Rounded MT Bold" panose="020F0704030504030204" pitchFamily="34" charset="0"/>
+              </a:rPr>
+              <a:t>Pranoy</a:t>
+            </a:r>
+            <a:r>
+              <a:rPr lang="en-IN" sz="1050" dirty="0"/>
+              <a:t> Patra</a:t>
+            </a:r>
+          </a:p>
+        </p:txBody>
+      </p:sp>
     </p:spTree>
     <p:extLst>
       <p:ext uri="{BB962C8B-B14F-4D97-AF65-F5344CB8AC3E}">
@@ -17509,6 +18602,51 @@
           </a:p>
         </p:txBody>
       </p:sp>
+      <p:sp>
+        <p:nvSpPr>
+          <p:cNvPr id="3" name="TextBox 2">
+            <a:extLst>
+              <a:ext uri="{FF2B5EF4-FFF2-40B4-BE49-F238E27FC236}">
+                <a16:creationId xmlns:a16="http://schemas.microsoft.com/office/drawing/2014/main" id="{1BFA9CB5-1A19-8F0A-5C23-CBCD82119774}"/>
+              </a:ext>
+            </a:extLst>
+          </p:cNvPr>
+          <p:cNvSpPr txBox="1"/>
+          <p:nvPr/>
+        </p:nvSpPr>
+        <p:spPr>
+          <a:xfrm>
+            <a:off x="11036969" y="0"/>
+            <a:ext cx="1155031" cy="253916"/>
+          </a:xfrm>
+          <a:prstGeom prst="rect">
+            <a:avLst/>
+          </a:prstGeom>
+          <a:noFill/>
+        </p:spPr>
+        <p:txBody>
+          <a:bodyPr wrap="square" rtlCol="0">
+            <a:spAutoFit/>
+          </a:bodyPr>
+          <a:lstStyle/>
+          <a:p>
+            <a:r>
+              <a:rPr lang="en-IN" sz="1050" dirty="0"/>
+              <a:t>~~</a:t>
+            </a:r>
+            <a:r>
+              <a:rPr lang="en-IN" sz="1050" dirty="0">
+                <a:latin typeface="Arial Rounded MT Bold" panose="020F0704030504030204" pitchFamily="34" charset="0"/>
+              </a:rPr>
+              <a:t>Pranoy</a:t>
+            </a:r>
+            <a:r>
+              <a:rPr lang="en-IN" sz="1050" dirty="0"/>
+              <a:t> Patra</a:t>
+            </a:r>
+          </a:p>
+        </p:txBody>
+      </p:sp>
     </p:spTree>
     <p:extLst>
       <p:ext uri="{BB962C8B-B14F-4D97-AF65-F5344CB8AC3E}">
@@ -17670,6 +18808,51 @@
           </a:p>
         </p:txBody>
       </p:sp>
+      <p:sp>
+        <p:nvSpPr>
+          <p:cNvPr id="4" name="TextBox 3">
+            <a:extLst>
+              <a:ext uri="{FF2B5EF4-FFF2-40B4-BE49-F238E27FC236}">
+                <a16:creationId xmlns:a16="http://schemas.microsoft.com/office/drawing/2014/main" id="{0C7F4DD6-1E05-0CE6-40F7-2F4EBDF4A3CC}"/>
+              </a:ext>
+            </a:extLst>
+          </p:cNvPr>
+          <p:cNvSpPr txBox="1"/>
+          <p:nvPr/>
+        </p:nvSpPr>
+        <p:spPr>
+          <a:xfrm>
+            <a:off x="11036969" y="0"/>
+            <a:ext cx="1155031" cy="253916"/>
+          </a:xfrm>
+          <a:prstGeom prst="rect">
+            <a:avLst/>
+          </a:prstGeom>
+          <a:noFill/>
+        </p:spPr>
+        <p:txBody>
+          <a:bodyPr wrap="square" rtlCol="0">
+            <a:spAutoFit/>
+          </a:bodyPr>
+          <a:lstStyle/>
+          <a:p>
+            <a:r>
+              <a:rPr lang="en-IN" sz="1050" dirty="0"/>
+              <a:t>~~</a:t>
+            </a:r>
+            <a:r>
+              <a:rPr lang="en-IN" sz="1050" dirty="0">
+                <a:latin typeface="Arial Rounded MT Bold" panose="020F0704030504030204" pitchFamily="34" charset="0"/>
+              </a:rPr>
+              <a:t>Pranoy</a:t>
+            </a:r>
+            <a:r>
+              <a:rPr lang="en-IN" sz="1050" dirty="0"/>
+              <a:t> Patra</a:t>
+            </a:r>
+          </a:p>
+        </p:txBody>
+      </p:sp>
     </p:spTree>
     <p:extLst>
       <p:ext uri="{BB962C8B-B14F-4D97-AF65-F5344CB8AC3E}">
@@ -17877,6 +19060,51 @@
                 </a:solidFill>
               </a:rPr>
               <a:t>touch “filename.txt”</a:t>
+            </a:r>
+          </a:p>
+        </p:txBody>
+      </p:sp>
+      <p:sp>
+        <p:nvSpPr>
+          <p:cNvPr id="3" name="TextBox 2">
+            <a:extLst>
+              <a:ext uri="{FF2B5EF4-FFF2-40B4-BE49-F238E27FC236}">
+                <a16:creationId xmlns:a16="http://schemas.microsoft.com/office/drawing/2014/main" id="{56062A18-AC83-A3EF-CE5C-D6F175CDBFC8}"/>
+              </a:ext>
+            </a:extLst>
+          </p:cNvPr>
+          <p:cNvSpPr txBox="1"/>
+          <p:nvPr/>
+        </p:nvSpPr>
+        <p:spPr>
+          <a:xfrm>
+            <a:off x="11036969" y="0"/>
+            <a:ext cx="1155031" cy="253916"/>
+          </a:xfrm>
+          <a:prstGeom prst="rect">
+            <a:avLst/>
+          </a:prstGeom>
+          <a:noFill/>
+        </p:spPr>
+        <p:txBody>
+          <a:bodyPr wrap="square" rtlCol="0">
+            <a:spAutoFit/>
+          </a:bodyPr>
+          <a:lstStyle/>
+          <a:p>
+            <a:r>
+              <a:rPr lang="en-IN" sz="1050" dirty="0"/>
+              <a:t>~~</a:t>
+            </a:r>
+            <a:r>
+              <a:rPr lang="en-IN" sz="1050" dirty="0">
+                <a:latin typeface="Arial Rounded MT Bold" panose="020F0704030504030204" pitchFamily="34" charset="0"/>
+              </a:rPr>
+              <a:t>Pranoy</a:t>
+            </a:r>
+            <a:r>
+              <a:rPr lang="en-IN" sz="1050" dirty="0"/>
+              <a:t> Patra</a:t>
             </a:r>
           </a:p>
         </p:txBody>
